--- a/figures/fig_edits.pptx
+++ b/figures/fig_edits.pptx
@@ -6,8 +6,9 @@
   </p:sldMasterIdLst>
   <p:sldIdLst>
     <p:sldId id="256" r:id="rId2"/>
-    <p:sldId id="259" r:id="rId3"/>
-    <p:sldId id="258" r:id="rId4"/>
+    <p:sldId id="260" r:id="rId3"/>
+    <p:sldId id="259" r:id="rId4"/>
+    <p:sldId id="258" r:id="rId5"/>
   </p:sldIdLst>
   <p:sldSz cx="12192000" cy="6858000"/>
   <p:notesSz cx="6858000" cy="9144000"/>
@@ -106,6 +107,11 @@
       </a:defRPr>
     </a:lvl9pPr>
   </p:defaultTextStyle>
+  <p:extLst>
+    <p:ext uri="{EFAFB233-063F-42B5-8137-9DF3F51BA10A}">
+      <p15:sldGuideLst xmlns:p15="http://schemas.microsoft.com/office/powerpoint/2012/main"/>
+    </p:ext>
+  </p:extLst>
 </p:presentation>
 </file>
 
@@ -3387,6 +3393,1189 @@
 </file>
 
 <file path=ppt/slides/slide2.xml><?xml version="1.0" encoding="utf-8"?>
+<p:sld xmlns:a="http://schemas.openxmlformats.org/drawingml/2006/main" xmlns:r="http://schemas.openxmlformats.org/officeDocument/2006/relationships" xmlns:p="http://schemas.openxmlformats.org/presentationml/2006/main">
+  <p:cSld>
+    <p:spTree>
+      <p:nvGrpSpPr>
+        <p:cNvPr id="1" name=""/>
+        <p:cNvGrpSpPr/>
+        <p:nvPr/>
+      </p:nvGrpSpPr>
+      <p:grpSpPr>
+        <a:xfrm>
+          <a:off x="0" y="0"/>
+          <a:ext cx="0" cy="0"/>
+          <a:chOff x="0" y="0"/>
+          <a:chExt cx="0" cy="0"/>
+        </a:xfrm>
+      </p:grpSpPr>
+      <p:grpSp>
+        <p:nvGrpSpPr>
+          <p:cNvPr id="2" name="Group 1">
+            <a:extLst>
+              <a:ext uri="{FF2B5EF4-FFF2-40B4-BE49-F238E27FC236}">
+                <a16:creationId xmlns:a16="http://schemas.microsoft.com/office/drawing/2014/main" id="{6A719FAC-BA70-04F5-1148-0E52E861C40F}"/>
+              </a:ext>
+            </a:extLst>
+          </p:cNvPr>
+          <p:cNvGrpSpPr/>
+          <p:nvPr/>
+        </p:nvGrpSpPr>
+        <p:grpSpPr>
+          <a:xfrm>
+            <a:off x="3094354" y="1585913"/>
+            <a:ext cx="6497741" cy="3425507"/>
+            <a:chOff x="0" y="0"/>
+            <a:chExt cx="6003560" cy="3164944"/>
+          </a:xfrm>
+        </p:grpSpPr>
+        <p:sp>
+          <p:nvSpPr>
+            <p:cNvPr id="3" name="Rectangle 2">
+              <a:extLst>
+                <a:ext uri="{FF2B5EF4-FFF2-40B4-BE49-F238E27FC236}">
+                  <a16:creationId xmlns:a16="http://schemas.microsoft.com/office/drawing/2014/main" id="{83BCCC80-D2E6-D6F6-EEBE-83CEAEB2EA91}"/>
+                </a:ext>
+              </a:extLst>
+            </p:cNvPr>
+            <p:cNvSpPr/>
+            <p:nvPr/>
+          </p:nvSpPr>
+          <p:spPr>
+            <a:xfrm>
+              <a:off x="0" y="0"/>
+              <a:ext cx="6003560" cy="3164944"/>
+            </a:xfrm>
+            <a:prstGeom prst="rect">
+              <a:avLst/>
+            </a:prstGeom>
+          </p:spPr>
+          <p:style>
+            <a:lnRef idx="2">
+              <a:schemeClr val="dk1"/>
+            </a:lnRef>
+            <a:fillRef idx="1">
+              <a:schemeClr val="lt1"/>
+            </a:fillRef>
+            <a:effectRef idx="0">
+              <a:schemeClr val="dk1"/>
+            </a:effectRef>
+            <a:fontRef idx="minor">
+              <a:schemeClr val="dk1"/>
+            </a:fontRef>
+          </p:style>
+          <p:txBody>
+            <a:bodyPr rot="0" spcFirstLastPara="0" vert="horz" wrap="square" lIns="91440" tIns="45720" rIns="91440" bIns="45720" numCol="1" spcCol="0" rtlCol="0" fromWordArt="0" anchor="ctr" anchorCtr="0" forceAA="0" compatLnSpc="1">
+              <a:prstTxWarp prst="textNoShape">
+                <a:avLst/>
+              </a:prstTxWarp>
+              <a:noAutofit/>
+            </a:bodyPr>
+            <a:lstStyle/>
+            <a:p>
+              <a:endParaRPr lang="en-US"/>
+            </a:p>
+          </p:txBody>
+        </p:sp>
+        <p:pic>
+          <p:nvPicPr>
+            <p:cNvPr id="4" name="Picture 3" descr="A diagram of a graph&#10;&#10;Description automatically generated">
+              <a:extLst>
+                <a:ext uri="{FF2B5EF4-FFF2-40B4-BE49-F238E27FC236}">
+                  <a16:creationId xmlns:a16="http://schemas.microsoft.com/office/drawing/2014/main" id="{5C35482C-49AF-A721-E361-11E93B693889}"/>
+                </a:ext>
+              </a:extLst>
+            </p:cNvPr>
+            <p:cNvPicPr>
+              <a:picLocks noChangeAspect="1"/>
+            </p:cNvPicPr>
+            <p:nvPr/>
+          </p:nvPicPr>
+          <p:blipFill rotWithShape="1">
+            <a:blip r:embed="rId2">
+              <a:extLst>
+                <a:ext uri="{28A0092B-C50C-407E-A947-70E740481C1C}">
+                  <a14:useLocalDpi xmlns:a14="http://schemas.microsoft.com/office/drawing/2010/main" val="0"/>
+                </a:ext>
+              </a:extLst>
+            </a:blip>
+            <a:srcRect l="14373" t="11019" r="4627"/>
+            <a:stretch/>
+          </p:blipFill>
+          <p:spPr bwMode="auto">
+            <a:xfrm>
+              <a:off x="3562184" y="214685"/>
+              <a:ext cx="2109470" cy="2790190"/>
+            </a:xfrm>
+            <a:prstGeom prst="rect">
+              <a:avLst/>
+            </a:prstGeom>
+            <a:ln>
+              <a:noFill/>
+            </a:ln>
+            <a:extLst>
+              <a:ext uri="{53640926-AAD7-44D8-BBD7-CCE9431645EC}">
+                <a14:shadowObscured xmlns:a14="http://schemas.microsoft.com/office/drawing/2010/main"/>
+              </a:ext>
+            </a:extLst>
+          </p:spPr>
+        </p:pic>
+        <mc:AlternateContent xmlns:mc="http://schemas.openxmlformats.org/markup-compatibility/2006">
+          <mc:Choice xmlns:a14="http://schemas.microsoft.com/office/drawing/2010/main" Requires="a14">
+            <p:sp>
+              <p:nvSpPr>
+                <p:cNvPr id="5" name="Text Box 2">
+                  <a:extLst>
+                    <a:ext uri="{FF2B5EF4-FFF2-40B4-BE49-F238E27FC236}">
+                      <a16:creationId xmlns:a16="http://schemas.microsoft.com/office/drawing/2014/main" id="{7286D472-4FBE-075D-2040-75283FEAC0FC}"/>
+                    </a:ext>
+                  </a:extLst>
+                </p:cNvPr>
+                <p:cNvSpPr txBox="1"/>
+                <p:nvPr/>
+              </p:nvSpPr>
+              <p:spPr>
+                <a:xfrm>
+                  <a:off x="47708" y="55659"/>
+                  <a:ext cx="3561715" cy="3028950"/>
+                </a:xfrm>
+                <a:prstGeom prst="rect">
+                  <a:avLst/>
+                </a:prstGeom>
+                <a:solidFill>
+                  <a:schemeClr val="lt1"/>
+                </a:solidFill>
+                <a:ln w="6350">
+                  <a:noFill/>
+                </a:ln>
+              </p:spPr>
+              <p:txBody>
+                <a:bodyPr rot="0" spcFirstLastPara="0" vert="horz" wrap="square" lIns="91440" tIns="45720" rIns="91440" bIns="45720" numCol="1" spcCol="0" rtlCol="0" fromWordArt="0" anchor="t" anchorCtr="0" forceAA="0" compatLnSpc="1">
+                  <a:prstTxWarp prst="textNoShape">
+                    <a:avLst/>
+                  </a:prstTxWarp>
+                  <a:noAutofit/>
+                </a:bodyPr>
+                <a:lstStyle/>
+                <a:p>
+                  <a:pPr marL="0" marR="0">
+                    <a:lnSpc>
+                      <a:spcPct val="115000"/>
+                    </a:lnSpc>
+                    <a:spcBef>
+                      <a:spcPts val="0"/>
+                    </a:spcBef>
+                    <a:spcAft>
+                      <a:spcPts val="0"/>
+                    </a:spcAft>
+                  </a:pPr>
+                  <a:r>
+                    <a:rPr lang="en-US" sz="1100" dirty="0">
+                      <a:effectLst/>
+                      <a:latin typeface="Cambria" panose="02040503050406030204" pitchFamily="18" charset="0"/>
+                      <a:ea typeface="Arial" panose="020B0604020202020204" pitchFamily="34" charset="0"/>
+                    </a:rPr>
+                    <a:t>Prevalence ratio (</a:t>
+                  </a:r>
+                  <a:r>
+                    <a:rPr lang="en-US" sz="1100" i="1" dirty="0">
+                      <a:effectLst/>
+                      <a:latin typeface="Cambria" panose="02040503050406030204" pitchFamily="18" charset="0"/>
+                      <a:ea typeface="Arial" panose="020B0604020202020204" pitchFamily="34" charset="0"/>
+                      <a:sym typeface="Symbol" pitchFamily="2" charset="2"/>
+                    </a:rPr>
+                    <a:t></a:t>
+                  </a:r>
+                  <a:r>
+                    <a:rPr lang="en-US" sz="1100" i="1" baseline="-25000" dirty="0">
+                      <a:effectLst/>
+                      <a:latin typeface="Cambria" panose="02040503050406030204" pitchFamily="18" charset="0"/>
+                      <a:ea typeface="Arial" panose="020B0604020202020204" pitchFamily="34" charset="0"/>
+                    </a:rPr>
+                    <a:t>t</a:t>
+                  </a:r>
+                  <a:r>
+                    <a:rPr lang="en-US" sz="1100" dirty="0">
+                      <a:effectLst/>
+                      <a:latin typeface="Cambria" panose="02040503050406030204" pitchFamily="18" charset="0"/>
+                      <a:ea typeface="Arial" panose="020B0604020202020204" pitchFamily="34" charset="0"/>
+                    </a:rPr>
+                    <a:t>) is defined as</a:t>
+                  </a:r>
+                  <a:endParaRPr lang="en-US" sz="1100" dirty="0">
+                    <a:effectLst/>
+                    <a:latin typeface="Arial" panose="020B0604020202020204" pitchFamily="34" charset="0"/>
+                    <a:ea typeface="Arial" panose="020B0604020202020204" pitchFamily="34" charset="0"/>
+                  </a:endParaRPr>
+                </a:p>
+                <a:p>
+                  <a:pPr marL="0" marR="0">
+                    <a:lnSpc>
+                      <a:spcPct val="115000"/>
+                    </a:lnSpc>
+                    <a:spcBef>
+                      <a:spcPts val="0"/>
+                    </a:spcBef>
+                    <a:spcAft>
+                      <a:spcPts val="0"/>
+                    </a:spcAft>
+                  </a:pPr>
+                  <a:r>
+                    <a:rPr lang="en-US" sz="1100" dirty="0">
+                      <a:effectLst/>
+                      <a:latin typeface="Arial" panose="020B0604020202020204" pitchFamily="34" charset="0"/>
+                      <a:ea typeface="Arial" panose="020B0604020202020204" pitchFamily="34" charset="0"/>
+                    </a:rPr>
+                    <a:t> </a:t>
+                  </a:r>
+                </a:p>
+                <a:p>
+                  <a:pPr marL="0" marR="0">
+                    <a:lnSpc>
+                      <a:spcPct val="115000"/>
+                    </a:lnSpc>
+                    <a:spcBef>
+                      <a:spcPts val="0"/>
+                    </a:spcBef>
+                    <a:spcAft>
+                      <a:spcPts val="0"/>
+                    </a:spcAft>
+                  </a:pPr>
+                  <a14:m>
+                    <m:oMathPara xmlns:m="http://schemas.openxmlformats.org/officeDocument/2006/math">
+                      <m:oMathParaPr>
+                        <m:jc m:val="centerGroup"/>
+                      </m:oMathParaPr>
+                      <m:oMath xmlns:m="http://schemas.openxmlformats.org/officeDocument/2006/math">
+                        <m:sSub>
+                          <m:sSubPr>
+                            <m:ctrlPr>
+                              <a:rPr lang="en-US" sz="1100" i="1">
+                                <a:effectLst/>
+                                <a:latin typeface="Cambria Math" panose="02040503050406030204" pitchFamily="18" charset="0"/>
+                                <a:ea typeface="Arial" panose="020B0604020202020204" pitchFamily="34" charset="0"/>
+                              </a:rPr>
+                            </m:ctrlPr>
+                          </m:sSubPr>
+                          <m:e>
+                            <m:r>
+                              <a:rPr lang="en-US" sz="1100" i="1">
+                                <a:effectLst/>
+                                <a:latin typeface="Cambria Math" panose="02040503050406030204" pitchFamily="18" charset="0"/>
+                                <a:ea typeface="Arial" panose="020B0604020202020204" pitchFamily="34" charset="0"/>
+                              </a:rPr>
+                              <m:t>𝜃</m:t>
+                            </m:r>
+                          </m:e>
+                          <m:sub>
+                            <m:r>
+                              <a:rPr lang="en-US" sz="1100" i="1">
+                                <a:effectLst/>
+                                <a:latin typeface="Cambria Math" panose="02040503050406030204" pitchFamily="18" charset="0"/>
+                                <a:ea typeface="Arial" panose="020B0604020202020204" pitchFamily="34" charset="0"/>
+                              </a:rPr>
+                              <m:t>𝑡</m:t>
+                            </m:r>
+                          </m:sub>
+                        </m:sSub>
+                        <m:r>
+                          <a:rPr lang="en-US" sz="1100" i="1">
+                            <a:effectLst/>
+                            <a:latin typeface="Cambria Math" panose="02040503050406030204" pitchFamily="18" charset="0"/>
+                            <a:ea typeface="Arial" panose="020B0604020202020204" pitchFamily="34" charset="0"/>
+                          </a:rPr>
+                          <m:t>=</m:t>
+                        </m:r>
+                        <m:d>
+                          <m:dPr>
+                            <m:begChr m:val="{"/>
+                            <m:endChr m:val=""/>
+                            <m:ctrlPr>
+                              <a:rPr lang="en-US" sz="1100" i="1">
+                                <a:effectLst/>
+                                <a:latin typeface="Cambria Math" panose="02040503050406030204" pitchFamily="18" charset="0"/>
+                                <a:ea typeface="Arial" panose="020B0604020202020204" pitchFamily="34" charset="0"/>
+                              </a:rPr>
+                            </m:ctrlPr>
+                          </m:dPr>
+                          <m:e>
+                            <m:m>
+                              <m:mPr>
+                                <m:mcs>
+                                  <m:mc>
+                                    <m:mcPr>
+                                      <m:count m:val="1"/>
+                                      <m:mcJc m:val="center"/>
+                                    </m:mcPr>
+                                  </m:mc>
+                                </m:mcs>
+                                <m:ctrlPr>
+                                  <a:rPr lang="en-US" sz="1100" i="1">
+                                    <a:effectLst/>
+                                    <a:latin typeface="Cambria Math" panose="02040503050406030204" pitchFamily="18" charset="0"/>
+                                    <a:ea typeface="Arial" panose="020B0604020202020204" pitchFamily="34" charset="0"/>
+                                  </a:rPr>
+                                </m:ctrlPr>
+                              </m:mPr>
+                              <m:mr>
+                                <m:e>
+                                  <m:f>
+                                    <m:fPr>
+                                      <m:ctrlPr>
+                                        <a:rPr lang="en-US" sz="1100" i="1">
+                                          <a:effectLst/>
+                                          <a:latin typeface="Cambria Math" panose="02040503050406030204" pitchFamily="18" charset="0"/>
+                                          <a:ea typeface="Arial" panose="020B0604020202020204" pitchFamily="34" charset="0"/>
+                                        </a:rPr>
+                                      </m:ctrlPr>
+                                    </m:fPr>
+                                    <m:num>
+                                      <m:sSub>
+                                        <m:sSubPr>
+                                          <m:ctrlPr>
+                                            <a:rPr lang="en-US" sz="1100" i="1">
+                                              <a:effectLst/>
+                                              <a:latin typeface="Cambria Math" panose="02040503050406030204" pitchFamily="18" charset="0"/>
+                                              <a:ea typeface="Arial" panose="020B0604020202020204" pitchFamily="34" charset="0"/>
+                                            </a:rPr>
+                                          </m:ctrlPr>
+                                        </m:sSubPr>
+                                        <m:e>
+                                          <m:r>
+                                            <a:rPr lang="en-US" sz="1100" i="1">
+                                              <a:effectLst/>
+                                              <a:latin typeface="Cambria Math" panose="02040503050406030204" pitchFamily="18" charset="0"/>
+                                              <a:ea typeface="Arial" panose="020B0604020202020204" pitchFamily="34" charset="0"/>
+                                            </a:rPr>
+                                            <m:t>𝑝</m:t>
+                                          </m:r>
+                                        </m:e>
+                                        <m:sub>
+                                          <m:r>
+                                            <a:rPr lang="en-US" sz="1100" i="1">
+                                              <a:effectLst/>
+                                              <a:latin typeface="Cambria Math" panose="02040503050406030204" pitchFamily="18" charset="0"/>
+                                              <a:ea typeface="Arial" panose="020B0604020202020204" pitchFamily="34" charset="0"/>
+                                            </a:rPr>
+                                            <m:t>𝑡</m:t>
+                                          </m:r>
+                                          <m:r>
+                                            <a:rPr lang="en-US" sz="1100" i="1">
+                                              <a:effectLst/>
+                                              <a:latin typeface="Cambria Math" panose="02040503050406030204" pitchFamily="18" charset="0"/>
+                                              <a:ea typeface="Arial" panose="020B0604020202020204" pitchFamily="34" charset="0"/>
+                                            </a:rPr>
+                                            <m:t>+1</m:t>
+                                          </m:r>
+                                        </m:sub>
+                                      </m:sSub>
+                                      <m:r>
+                                        <a:rPr lang="en-US" sz="1100" i="1">
+                                          <a:effectLst/>
+                                          <a:latin typeface="Cambria Math" panose="02040503050406030204" pitchFamily="18" charset="0"/>
+                                          <a:ea typeface="Arial" panose="020B0604020202020204" pitchFamily="34" charset="0"/>
+                                        </a:rPr>
+                                        <m:t>−</m:t>
+                                      </m:r>
+                                      <m:sSub>
+                                        <m:sSubPr>
+                                          <m:ctrlPr>
+                                            <a:rPr lang="en-US" sz="1100" i="1">
+                                              <a:effectLst/>
+                                              <a:latin typeface="Cambria Math" panose="02040503050406030204" pitchFamily="18" charset="0"/>
+                                              <a:ea typeface="Arial" panose="020B0604020202020204" pitchFamily="34" charset="0"/>
+                                            </a:rPr>
+                                          </m:ctrlPr>
+                                        </m:sSubPr>
+                                        <m:e>
+                                          <m:r>
+                                            <a:rPr lang="en-US" sz="1100" i="1">
+                                              <a:effectLst/>
+                                              <a:latin typeface="Cambria Math" panose="02040503050406030204" pitchFamily="18" charset="0"/>
+                                              <a:ea typeface="Arial" panose="020B0604020202020204" pitchFamily="34" charset="0"/>
+                                            </a:rPr>
+                                            <m:t>𝑝</m:t>
+                                          </m:r>
+                                        </m:e>
+                                        <m:sub>
+                                          <m:r>
+                                            <a:rPr lang="en-US" sz="1100" i="1">
+                                              <a:effectLst/>
+                                              <a:latin typeface="Cambria Math" panose="02040503050406030204" pitchFamily="18" charset="0"/>
+                                              <a:ea typeface="Arial" panose="020B0604020202020204" pitchFamily="34" charset="0"/>
+                                            </a:rPr>
+                                            <m:t>𝑡</m:t>
+                                          </m:r>
+                                        </m:sub>
+                                      </m:sSub>
+                                    </m:num>
+                                    <m:den>
+                                      <m:sSub>
+                                        <m:sSubPr>
+                                          <m:ctrlPr>
+                                            <a:rPr lang="en-US" sz="1100" i="1">
+                                              <a:effectLst/>
+                                              <a:latin typeface="Cambria Math" panose="02040503050406030204" pitchFamily="18" charset="0"/>
+                                              <a:ea typeface="Arial" panose="020B0604020202020204" pitchFamily="34" charset="0"/>
+                                            </a:rPr>
+                                          </m:ctrlPr>
+                                        </m:sSubPr>
+                                        <m:e>
+                                          <m:r>
+                                            <a:rPr lang="en-US" sz="1100" i="1">
+                                              <a:effectLst/>
+                                              <a:latin typeface="Cambria Math" panose="02040503050406030204" pitchFamily="18" charset="0"/>
+                                              <a:ea typeface="Arial" panose="020B0604020202020204" pitchFamily="34" charset="0"/>
+                                            </a:rPr>
+                                            <m:t>𝑝</m:t>
+                                          </m:r>
+                                        </m:e>
+                                        <m:sub>
+                                          <m:r>
+                                            <m:rPr>
+                                              <m:sty m:val="p"/>
+                                            </m:rPr>
+                                            <a:rPr lang="en-US" sz="1100">
+                                              <a:effectLst/>
+                                              <a:latin typeface="Cambria Math" panose="02040503050406030204" pitchFamily="18" charset="0"/>
+                                              <a:ea typeface="Arial" panose="020B0604020202020204" pitchFamily="34" charset="0"/>
+                                            </a:rPr>
+                                            <m:t>max</m:t>
+                                          </m:r>
+                                        </m:sub>
+                                      </m:sSub>
+                                      <m:r>
+                                        <a:rPr lang="en-US" sz="1100" i="1">
+                                          <a:effectLst/>
+                                          <a:latin typeface="Cambria Math" panose="02040503050406030204" pitchFamily="18" charset="0"/>
+                                          <a:ea typeface="Arial" panose="020B0604020202020204" pitchFamily="34" charset="0"/>
+                                        </a:rPr>
+                                        <m:t>−</m:t>
+                                      </m:r>
+                                      <m:sSub>
+                                        <m:sSubPr>
+                                          <m:ctrlPr>
+                                            <a:rPr lang="en-US" sz="1100" i="1">
+                                              <a:effectLst/>
+                                              <a:latin typeface="Cambria Math" panose="02040503050406030204" pitchFamily="18" charset="0"/>
+                                              <a:ea typeface="Arial" panose="020B0604020202020204" pitchFamily="34" charset="0"/>
+                                            </a:rPr>
+                                          </m:ctrlPr>
+                                        </m:sSubPr>
+                                        <m:e>
+                                          <m:r>
+                                            <a:rPr lang="en-US" sz="1100" i="1">
+                                              <a:effectLst/>
+                                              <a:latin typeface="Cambria Math" panose="02040503050406030204" pitchFamily="18" charset="0"/>
+                                              <a:ea typeface="Arial" panose="020B0604020202020204" pitchFamily="34" charset="0"/>
+                                            </a:rPr>
+                                            <m:t>𝑝</m:t>
+                                          </m:r>
+                                        </m:e>
+                                        <m:sub>
+                                          <m:r>
+                                            <a:rPr lang="en-US" sz="1100" i="1">
+                                              <a:effectLst/>
+                                              <a:latin typeface="Cambria Math" panose="02040503050406030204" pitchFamily="18" charset="0"/>
+                                              <a:ea typeface="Arial" panose="020B0604020202020204" pitchFamily="34" charset="0"/>
+                                            </a:rPr>
+                                            <m:t>𝑡</m:t>
+                                          </m:r>
+                                        </m:sub>
+                                      </m:sSub>
+                                    </m:den>
+                                  </m:f>
+                                  <m:r>
+                                    <a:rPr lang="en-US" sz="1100">
+                                      <a:effectLst/>
+                                      <a:latin typeface="Cambria Math" panose="02040503050406030204" pitchFamily="18" charset="0"/>
+                                      <a:ea typeface="Arial" panose="020B0604020202020204" pitchFamily="34" charset="0"/>
+                                    </a:rPr>
+                                    <m:t>         </m:t>
+                                  </m:r>
+                                  <m:r>
+                                    <m:rPr>
+                                      <m:sty m:val="p"/>
+                                    </m:rPr>
+                                    <a:rPr lang="en-US" sz="1100">
+                                      <a:effectLst/>
+                                      <a:latin typeface="Cambria Math" panose="02040503050406030204" pitchFamily="18" charset="0"/>
+                                      <a:ea typeface="Arial" panose="020B0604020202020204" pitchFamily="34" charset="0"/>
+                                    </a:rPr>
+                                    <m:t>if</m:t>
+                                  </m:r>
+                                  <m:r>
+                                    <a:rPr lang="en-US" sz="1100">
+                                      <a:effectLst/>
+                                      <a:latin typeface="Cambria Math" panose="02040503050406030204" pitchFamily="18" charset="0"/>
+                                      <a:ea typeface="Arial" panose="020B0604020202020204" pitchFamily="34" charset="0"/>
+                                    </a:rPr>
+                                    <m:t>     </m:t>
+                                  </m:r>
+                                  <m:r>
+                                    <a:rPr lang="en-US" sz="1100" i="1">
+                                      <a:effectLst/>
+                                      <a:latin typeface="Cambria Math" panose="02040503050406030204" pitchFamily="18" charset="0"/>
+                                      <a:ea typeface="Arial" panose="020B0604020202020204" pitchFamily="34" charset="0"/>
+                                    </a:rPr>
+                                    <m:t>𝑡</m:t>
+                                  </m:r>
+                                  <m:r>
+                                    <a:rPr lang="en-US" sz="1100" i="1">
+                                      <a:effectLst/>
+                                      <a:latin typeface="Cambria Math" panose="02040503050406030204" pitchFamily="18" charset="0"/>
+                                      <a:ea typeface="Arial" panose="020B0604020202020204" pitchFamily="34" charset="0"/>
+                                    </a:rPr>
+                                    <m:t>,</m:t>
+                                  </m:r>
+                                  <m:r>
+                                    <a:rPr lang="en-US" sz="1100" i="1">
+                                      <a:effectLst/>
+                                      <a:latin typeface="Cambria Math" panose="02040503050406030204" pitchFamily="18" charset="0"/>
+                                      <a:ea typeface="Arial" panose="020B0604020202020204" pitchFamily="34" charset="0"/>
+                                    </a:rPr>
+                                    <m:t>𝑡</m:t>
+                                  </m:r>
+                                  <m:r>
+                                    <a:rPr lang="en-US" sz="1100" i="1">
+                                      <a:effectLst/>
+                                      <a:latin typeface="Cambria Math" panose="02040503050406030204" pitchFamily="18" charset="0"/>
+                                      <a:ea typeface="Arial" panose="020B0604020202020204" pitchFamily="34" charset="0"/>
+                                    </a:rPr>
+                                    <m:t>+1≤</m:t>
+                                  </m:r>
+                                  <m:r>
+                                    <m:rPr>
+                                      <m:sty m:val="p"/>
+                                    </m:rPr>
+                                    <a:rPr lang="en-US" sz="1100">
+                                      <a:effectLst/>
+                                      <a:latin typeface="Cambria Math" panose="02040503050406030204" pitchFamily="18" charset="0"/>
+                                      <a:ea typeface="Arial" panose="020B0604020202020204" pitchFamily="34" charset="0"/>
+                                    </a:rPr>
+                                    <m:t>max</m:t>
+                                  </m:r>
+                                </m:e>
+                              </m:mr>
+                              <m:mr>
+                                <m:e>
+                                  <m:r>
+                                    <a:rPr lang="en-US" sz="1100" i="1">
+                                      <a:effectLst/>
+                                      <a:latin typeface="Cambria Math" panose="02040503050406030204" pitchFamily="18" charset="0"/>
+                                      <a:ea typeface="Arial" panose="020B0604020202020204" pitchFamily="34" charset="0"/>
+                                    </a:rPr>
+                                    <m:t>1−</m:t>
+                                  </m:r>
+                                  <m:f>
+                                    <m:fPr>
+                                      <m:ctrlPr>
+                                        <a:rPr lang="en-US" sz="1100" i="1">
+                                          <a:effectLst/>
+                                          <a:latin typeface="Cambria Math" panose="02040503050406030204" pitchFamily="18" charset="0"/>
+                                          <a:ea typeface="Arial" panose="020B0604020202020204" pitchFamily="34" charset="0"/>
+                                        </a:rPr>
+                                      </m:ctrlPr>
+                                    </m:fPr>
+                                    <m:num>
+                                      <m:sSub>
+                                        <m:sSubPr>
+                                          <m:ctrlPr>
+                                            <a:rPr lang="en-US" sz="1100" i="1">
+                                              <a:effectLst/>
+                                              <a:latin typeface="Cambria Math" panose="02040503050406030204" pitchFamily="18" charset="0"/>
+                                              <a:ea typeface="Arial" panose="020B0604020202020204" pitchFamily="34" charset="0"/>
+                                            </a:rPr>
+                                          </m:ctrlPr>
+                                        </m:sSubPr>
+                                        <m:e>
+                                          <m:r>
+                                            <a:rPr lang="en-US" sz="1100" i="1">
+                                              <a:effectLst/>
+                                              <a:latin typeface="Cambria Math" panose="02040503050406030204" pitchFamily="18" charset="0"/>
+                                              <a:ea typeface="Arial" panose="020B0604020202020204" pitchFamily="34" charset="0"/>
+                                            </a:rPr>
+                                            <m:t>𝑝</m:t>
+                                          </m:r>
+                                        </m:e>
+                                        <m:sub>
+                                          <m:r>
+                                            <a:rPr lang="en-US" sz="1100" i="1">
+                                              <a:effectLst/>
+                                              <a:latin typeface="Cambria Math" panose="02040503050406030204" pitchFamily="18" charset="0"/>
+                                              <a:ea typeface="Arial" panose="020B0604020202020204" pitchFamily="34" charset="0"/>
+                                            </a:rPr>
+                                            <m:t>𝑡</m:t>
+                                          </m:r>
+                                        </m:sub>
+                                      </m:sSub>
+                                      <m:r>
+                                        <a:rPr lang="en-US" sz="1100" i="1">
+                                          <a:effectLst/>
+                                          <a:latin typeface="Cambria Math" panose="02040503050406030204" pitchFamily="18" charset="0"/>
+                                          <a:ea typeface="Arial" panose="020B0604020202020204" pitchFamily="34" charset="0"/>
+                                        </a:rPr>
+                                        <m:t>−</m:t>
+                                      </m:r>
+                                      <m:sSub>
+                                        <m:sSubPr>
+                                          <m:ctrlPr>
+                                            <a:rPr lang="en-US" sz="1100" i="1">
+                                              <a:effectLst/>
+                                              <a:latin typeface="Cambria Math" panose="02040503050406030204" pitchFamily="18" charset="0"/>
+                                              <a:ea typeface="Arial" panose="020B0604020202020204" pitchFamily="34" charset="0"/>
+                                            </a:rPr>
+                                          </m:ctrlPr>
+                                        </m:sSubPr>
+                                        <m:e>
+                                          <m:r>
+                                            <a:rPr lang="en-US" sz="1100" i="1">
+                                              <a:effectLst/>
+                                              <a:latin typeface="Cambria Math" panose="02040503050406030204" pitchFamily="18" charset="0"/>
+                                              <a:ea typeface="Arial" panose="020B0604020202020204" pitchFamily="34" charset="0"/>
+                                            </a:rPr>
+                                            <m:t>𝑝</m:t>
+                                          </m:r>
+                                        </m:e>
+                                        <m:sub>
+                                          <m:r>
+                                            <a:rPr lang="en-US" sz="1100" i="1">
+                                              <a:effectLst/>
+                                              <a:latin typeface="Cambria Math" panose="02040503050406030204" pitchFamily="18" charset="0"/>
+                                              <a:ea typeface="Arial" panose="020B0604020202020204" pitchFamily="34" charset="0"/>
+                                            </a:rPr>
+                                            <m:t>𝑡</m:t>
+                                          </m:r>
+                                          <m:r>
+                                            <a:rPr lang="en-US" sz="1100" i="1">
+                                              <a:effectLst/>
+                                              <a:latin typeface="Cambria Math" panose="02040503050406030204" pitchFamily="18" charset="0"/>
+                                              <a:ea typeface="Arial" panose="020B0604020202020204" pitchFamily="34" charset="0"/>
+                                            </a:rPr>
+                                            <m:t>+1</m:t>
+                                          </m:r>
+                                        </m:sub>
+                                      </m:sSub>
+                                    </m:num>
+                                    <m:den>
+                                      <m:sSub>
+                                        <m:sSubPr>
+                                          <m:ctrlPr>
+                                            <a:rPr lang="en-US" sz="1100" i="1">
+                                              <a:effectLst/>
+                                              <a:latin typeface="Cambria Math" panose="02040503050406030204" pitchFamily="18" charset="0"/>
+                                              <a:ea typeface="Arial" panose="020B0604020202020204" pitchFamily="34" charset="0"/>
+                                            </a:rPr>
+                                          </m:ctrlPr>
+                                        </m:sSubPr>
+                                        <m:e>
+                                          <m:r>
+                                            <a:rPr lang="en-US" sz="1100" i="1">
+                                              <a:effectLst/>
+                                              <a:latin typeface="Cambria Math" panose="02040503050406030204" pitchFamily="18" charset="0"/>
+                                              <a:ea typeface="Arial" panose="020B0604020202020204" pitchFamily="34" charset="0"/>
+                                            </a:rPr>
+                                            <m:t>𝑝</m:t>
+                                          </m:r>
+                                        </m:e>
+                                        <m:sub>
+                                          <m:r>
+                                            <a:rPr lang="en-US" sz="1100" i="1">
+                                              <a:effectLst/>
+                                              <a:latin typeface="Cambria Math" panose="02040503050406030204" pitchFamily="18" charset="0"/>
+                                              <a:ea typeface="Arial" panose="020B0604020202020204" pitchFamily="34" charset="0"/>
+                                            </a:rPr>
+                                            <m:t>𝑡</m:t>
+                                          </m:r>
+                                          <m:r>
+                                            <a:rPr lang="en-US" sz="1100" i="1">
+                                              <a:effectLst/>
+                                              <a:latin typeface="Cambria Math" panose="02040503050406030204" pitchFamily="18" charset="0"/>
+                                              <a:ea typeface="Arial" panose="020B0604020202020204" pitchFamily="34" charset="0"/>
+                                            </a:rPr>
+                                            <m:t>+1</m:t>
+                                          </m:r>
+                                        </m:sub>
+                                      </m:sSub>
+                                    </m:den>
+                                  </m:f>
+                                  <m:r>
+                                    <a:rPr lang="en-US" sz="1100" i="1">
+                                      <a:effectLst/>
+                                      <a:latin typeface="Cambria Math" panose="02040503050406030204" pitchFamily="18" charset="0"/>
+                                      <a:ea typeface="Arial" panose="020B0604020202020204" pitchFamily="34" charset="0"/>
+                                    </a:rPr>
+                                    <m:t>     </m:t>
+                                  </m:r>
+                                  <m:r>
+                                    <m:rPr>
+                                      <m:sty m:val="p"/>
+                                    </m:rPr>
+                                    <a:rPr lang="en-US" sz="1100">
+                                      <a:effectLst/>
+                                      <a:latin typeface="Cambria Math" panose="02040503050406030204" pitchFamily="18" charset="0"/>
+                                      <a:ea typeface="Arial" panose="020B0604020202020204" pitchFamily="34" charset="0"/>
+                                    </a:rPr>
+                                    <m:t>if</m:t>
+                                  </m:r>
+                                  <m:r>
+                                    <a:rPr lang="en-US" sz="1100">
+                                      <a:effectLst/>
+                                      <a:latin typeface="Cambria Math" panose="02040503050406030204" pitchFamily="18" charset="0"/>
+                                      <a:ea typeface="Arial" panose="020B0604020202020204" pitchFamily="34" charset="0"/>
+                                    </a:rPr>
+                                    <m:t>     </m:t>
+                                  </m:r>
+                                  <m:r>
+                                    <a:rPr lang="en-US" sz="1100" i="1">
+                                      <a:effectLst/>
+                                      <a:latin typeface="Cambria Math" panose="02040503050406030204" pitchFamily="18" charset="0"/>
+                                      <a:ea typeface="Arial" panose="020B0604020202020204" pitchFamily="34" charset="0"/>
+                                    </a:rPr>
+                                    <m:t>𝑡</m:t>
+                                  </m:r>
+                                  <m:r>
+                                    <a:rPr lang="en-US" sz="1100" i="1">
+                                      <a:effectLst/>
+                                      <a:latin typeface="Cambria Math" panose="02040503050406030204" pitchFamily="18" charset="0"/>
+                                      <a:ea typeface="Arial" panose="020B0604020202020204" pitchFamily="34" charset="0"/>
+                                    </a:rPr>
+                                    <m:t>,</m:t>
+                                  </m:r>
+                                  <m:r>
+                                    <a:rPr lang="en-US" sz="1100" i="1">
+                                      <a:effectLst/>
+                                      <a:latin typeface="Cambria Math" panose="02040503050406030204" pitchFamily="18" charset="0"/>
+                                      <a:ea typeface="Arial" panose="020B0604020202020204" pitchFamily="34" charset="0"/>
+                                    </a:rPr>
+                                    <m:t>𝑡</m:t>
+                                  </m:r>
+                                  <m:r>
+                                    <a:rPr lang="en-US" sz="1100" i="1">
+                                      <a:effectLst/>
+                                      <a:latin typeface="Cambria Math" panose="02040503050406030204" pitchFamily="18" charset="0"/>
+                                      <a:ea typeface="Arial" panose="020B0604020202020204" pitchFamily="34" charset="0"/>
+                                    </a:rPr>
+                                    <m:t>+1≥</m:t>
+                                  </m:r>
+                                  <m:r>
+                                    <m:rPr>
+                                      <m:sty m:val="p"/>
+                                    </m:rPr>
+                                    <a:rPr lang="en-US" sz="1100">
+                                      <a:effectLst/>
+                                      <a:latin typeface="Cambria Math" panose="02040503050406030204" pitchFamily="18" charset="0"/>
+                                      <a:ea typeface="Arial" panose="020B0604020202020204" pitchFamily="34" charset="0"/>
+                                    </a:rPr>
+                                    <m:t>max</m:t>
+                                  </m:r>
+                                  <m:r>
+                                    <a:rPr lang="en-US" sz="1100" i="1">
+                                      <a:effectLst/>
+                                      <a:latin typeface="Cambria Math" panose="02040503050406030204" pitchFamily="18" charset="0"/>
+                                      <a:ea typeface="Arial" panose="020B0604020202020204" pitchFamily="34" charset="0"/>
+                                    </a:rPr>
+                                    <m:t>    </m:t>
+                                  </m:r>
+                                </m:e>
+                              </m:mr>
+                            </m:m>
+                          </m:e>
+                        </m:d>
+                      </m:oMath>
+                    </m:oMathPara>
+                  </a14:m>
+                  <a:endParaRPr lang="en-US" sz="1100" dirty="0">
+                    <a:effectLst/>
+                    <a:latin typeface="Arial" panose="020B0604020202020204" pitchFamily="34" charset="0"/>
+                    <a:ea typeface="Arial" panose="020B0604020202020204" pitchFamily="34" charset="0"/>
+                  </a:endParaRPr>
+                </a:p>
+                <a:p>
+                  <a:pPr marL="0" marR="0">
+                    <a:lnSpc>
+                      <a:spcPct val="115000"/>
+                    </a:lnSpc>
+                    <a:spcBef>
+                      <a:spcPts val="0"/>
+                    </a:spcBef>
+                    <a:spcAft>
+                      <a:spcPts val="0"/>
+                    </a:spcAft>
+                  </a:pPr>
+                  <a:r>
+                    <a:rPr lang="en-US" sz="1100" dirty="0">
+                      <a:effectLst/>
+                      <a:latin typeface="Arial" panose="020B0604020202020204" pitchFamily="34" charset="0"/>
+                      <a:ea typeface="Malgun Gothic" panose="020B0503020000020004" pitchFamily="34" charset="-127"/>
+                    </a:rPr>
+                    <a:t> </a:t>
+                  </a:r>
+                  <a:endParaRPr lang="en-US" sz="1100" dirty="0">
+                    <a:effectLst/>
+                    <a:latin typeface="Arial" panose="020B0604020202020204" pitchFamily="34" charset="0"/>
+                    <a:ea typeface="Arial" panose="020B0604020202020204" pitchFamily="34" charset="0"/>
+                  </a:endParaRPr>
+                </a:p>
+                <a:p>
+                  <a:pPr marL="0" marR="0">
+                    <a:lnSpc>
+                      <a:spcPct val="115000"/>
+                    </a:lnSpc>
+                    <a:spcBef>
+                      <a:spcPts val="0"/>
+                    </a:spcBef>
+                    <a:spcAft>
+                      <a:spcPts val="0"/>
+                    </a:spcAft>
+                  </a:pPr>
+                  <a:r>
+                    <a:rPr lang="en-US" sz="1100" dirty="0">
+                      <a:effectLst/>
+                      <a:latin typeface="Cambria" panose="02040503050406030204" pitchFamily="18" charset="0"/>
+                      <a:ea typeface="Arial" panose="020B0604020202020204" pitchFamily="34" charset="0"/>
+                    </a:rPr>
+                    <a:t>where </a:t>
+                  </a:r>
+                  <a:r>
+                    <a:rPr lang="en-US" sz="1100" i="1" dirty="0">
+                      <a:effectLst/>
+                      <a:latin typeface="Cambria" panose="02040503050406030204" pitchFamily="18" charset="0"/>
+                      <a:ea typeface="Arial" panose="020B0604020202020204" pitchFamily="34" charset="0"/>
+                    </a:rPr>
+                    <a:t>t</a:t>
+                  </a:r>
+                  <a:r>
+                    <a:rPr lang="en-US" sz="1100" dirty="0">
+                      <a:effectLst/>
+                      <a:latin typeface="Cambria" panose="02040503050406030204" pitchFamily="18" charset="0"/>
+                      <a:ea typeface="Arial" panose="020B0604020202020204" pitchFamily="34" charset="0"/>
+                    </a:rPr>
+                    <a:t> and </a:t>
+                  </a:r>
+                  <a:r>
+                    <a:rPr lang="en-US" sz="1100" i="1" dirty="0">
+                      <a:effectLst/>
+                      <a:latin typeface="Cambria" panose="02040503050406030204" pitchFamily="18" charset="0"/>
+                      <a:ea typeface="Arial" panose="020B0604020202020204" pitchFamily="34" charset="0"/>
+                    </a:rPr>
+                    <a:t>t</a:t>
+                  </a:r>
+                  <a:r>
+                    <a:rPr lang="en-US" sz="1100" dirty="0">
+                      <a:effectLst/>
+                      <a:latin typeface="Cambria" panose="02040503050406030204" pitchFamily="18" charset="0"/>
+                      <a:ea typeface="Arial" panose="020B0604020202020204" pitchFamily="34" charset="0"/>
+                    </a:rPr>
+                    <a:t>+1 identify pairs of adjacent months. Prevalence in months </a:t>
+                  </a:r>
+                  <a:r>
+                    <a:rPr lang="en-US" sz="1100" i="1" dirty="0">
+                      <a:effectLst/>
+                      <a:latin typeface="Cambria" panose="02040503050406030204" pitchFamily="18" charset="0"/>
+                      <a:ea typeface="Arial" panose="020B0604020202020204" pitchFamily="34" charset="0"/>
+                    </a:rPr>
+                    <a:t>t</a:t>
+                  </a:r>
+                  <a:r>
+                    <a:rPr lang="en-US" sz="1100" dirty="0">
+                      <a:effectLst/>
+                      <a:latin typeface="Cambria" panose="02040503050406030204" pitchFamily="18" charset="0"/>
+                      <a:ea typeface="Arial" panose="020B0604020202020204" pitchFamily="34" charset="0"/>
+                    </a:rPr>
+                    <a:t>, </a:t>
+                  </a:r>
+                  <a:r>
+                    <a:rPr lang="en-US" sz="1100" i="1" dirty="0">
+                      <a:effectLst/>
+                      <a:latin typeface="Cambria" panose="02040503050406030204" pitchFamily="18" charset="0"/>
+                      <a:ea typeface="Arial" panose="020B0604020202020204" pitchFamily="34" charset="0"/>
+                    </a:rPr>
+                    <a:t>t</a:t>
+                  </a:r>
+                  <a:r>
+                    <a:rPr lang="en-US" sz="1100" dirty="0">
+                      <a:effectLst/>
+                      <a:latin typeface="Cambria" panose="02040503050406030204" pitchFamily="18" charset="0"/>
+                      <a:ea typeface="Arial" panose="020B0604020202020204" pitchFamily="34" charset="0"/>
+                    </a:rPr>
+                    <a:t>+1, and the month (max) corresponding to peak prevalence, are denoted by </a:t>
+                  </a:r>
+                  <a:r>
+                    <a:rPr lang="en-US" sz="1100" i="1" dirty="0" err="1">
+                      <a:effectLst/>
+                      <a:latin typeface="Cambria" panose="02040503050406030204" pitchFamily="18" charset="0"/>
+                      <a:ea typeface="Arial" panose="020B0604020202020204" pitchFamily="34" charset="0"/>
+                    </a:rPr>
+                    <a:t>p</a:t>
+                  </a:r>
+                  <a:r>
+                    <a:rPr lang="en-US" sz="1100" i="1" baseline="-25000" dirty="0" err="1">
+                      <a:effectLst/>
+                      <a:latin typeface="Cambria" panose="02040503050406030204" pitchFamily="18" charset="0"/>
+                      <a:ea typeface="Arial" panose="020B0604020202020204" pitchFamily="34" charset="0"/>
+                    </a:rPr>
+                    <a:t>t</a:t>
+                  </a:r>
+                  <a:r>
+                    <a:rPr lang="en-US" sz="1100" dirty="0">
+                      <a:effectLst/>
+                      <a:latin typeface="Cambria" panose="02040503050406030204" pitchFamily="18" charset="0"/>
+                      <a:ea typeface="Arial" panose="020B0604020202020204" pitchFamily="34" charset="0"/>
+                    </a:rPr>
+                    <a:t>, </a:t>
+                  </a:r>
+                  <a:r>
+                    <a:rPr lang="en-US" sz="1100" i="1" dirty="0">
+                      <a:effectLst/>
+                      <a:latin typeface="Cambria" panose="02040503050406030204" pitchFamily="18" charset="0"/>
+                      <a:ea typeface="Arial" panose="020B0604020202020204" pitchFamily="34" charset="0"/>
+                    </a:rPr>
+                    <a:t>p</a:t>
+                  </a:r>
+                  <a:r>
+                    <a:rPr lang="en-US" sz="1100" i="1" baseline="-25000" dirty="0">
+                      <a:effectLst/>
+                      <a:latin typeface="Cambria" panose="02040503050406030204" pitchFamily="18" charset="0"/>
+                      <a:ea typeface="Arial" panose="020B0604020202020204" pitchFamily="34" charset="0"/>
+                    </a:rPr>
+                    <a:t>t</a:t>
+                  </a:r>
+                  <a:r>
+                    <a:rPr lang="en-US" sz="1100" baseline="-25000" dirty="0">
+                      <a:effectLst/>
+                      <a:latin typeface="Cambria" panose="02040503050406030204" pitchFamily="18" charset="0"/>
+                      <a:ea typeface="Arial" panose="020B0604020202020204" pitchFamily="34" charset="0"/>
+                    </a:rPr>
+                    <a:t>+1</a:t>
+                  </a:r>
+                  <a:r>
+                    <a:rPr lang="en-US" sz="1100" dirty="0">
+                      <a:effectLst/>
+                      <a:latin typeface="Cambria" panose="02040503050406030204" pitchFamily="18" charset="0"/>
+                      <a:ea typeface="Arial" panose="020B0604020202020204" pitchFamily="34" charset="0"/>
+                    </a:rPr>
+                    <a:t>, and </a:t>
+                  </a:r>
+                  <a:r>
+                    <a:rPr lang="en-US" sz="1100" i="1" dirty="0" err="1">
+                      <a:effectLst/>
+                      <a:latin typeface="Cambria" panose="02040503050406030204" pitchFamily="18" charset="0"/>
+                      <a:ea typeface="Arial" panose="020B0604020202020204" pitchFamily="34" charset="0"/>
+                    </a:rPr>
+                    <a:t>p</a:t>
+                  </a:r>
+                  <a:r>
+                    <a:rPr lang="en-US" sz="1100" baseline="-25000" dirty="0" err="1">
+                      <a:effectLst/>
+                      <a:latin typeface="Cambria" panose="02040503050406030204" pitchFamily="18" charset="0"/>
+                      <a:ea typeface="Arial" panose="020B0604020202020204" pitchFamily="34" charset="0"/>
+                    </a:rPr>
+                    <a:t>max</a:t>
+                  </a:r>
+                  <a:r>
+                    <a:rPr lang="en-US" sz="1100" dirty="0">
+                      <a:effectLst/>
+                      <a:latin typeface="Cambria" panose="02040503050406030204" pitchFamily="18" charset="0"/>
+                      <a:ea typeface="Arial" panose="020B0604020202020204" pitchFamily="34" charset="0"/>
+                    </a:rPr>
+                    <a:t>, respectively. </a:t>
+                  </a:r>
+                  <a:endParaRPr lang="en-US" sz="1100" dirty="0">
+                    <a:effectLst/>
+                    <a:latin typeface="Arial" panose="020B0604020202020204" pitchFamily="34" charset="0"/>
+                    <a:ea typeface="Arial" panose="020B0604020202020204" pitchFamily="34" charset="0"/>
+                  </a:endParaRPr>
+                </a:p>
+                <a:p>
+                  <a:pPr marL="0" marR="0">
+                    <a:lnSpc>
+                      <a:spcPct val="115000"/>
+                    </a:lnSpc>
+                    <a:spcBef>
+                      <a:spcPts val="0"/>
+                    </a:spcBef>
+                    <a:spcAft>
+                      <a:spcPts val="0"/>
+                    </a:spcAft>
+                  </a:pPr>
+                  <a:r>
+                    <a:rPr lang="en-US" sz="1100" dirty="0">
+                      <a:effectLst/>
+                      <a:latin typeface="Cambria" panose="02040503050406030204" pitchFamily="18" charset="0"/>
+                      <a:ea typeface="Arial" panose="020B0604020202020204" pitchFamily="34" charset="0"/>
+                    </a:rPr>
+                    <a:t> </a:t>
+                  </a:r>
+                  <a:endParaRPr lang="en-US" sz="1100" dirty="0">
+                    <a:effectLst/>
+                    <a:latin typeface="Arial" panose="020B0604020202020204" pitchFamily="34" charset="0"/>
+                    <a:ea typeface="Arial" panose="020B0604020202020204" pitchFamily="34" charset="0"/>
+                  </a:endParaRPr>
+                </a:p>
+                <a:p>
+                  <a:pPr marL="0" marR="0">
+                    <a:lnSpc>
+                      <a:spcPct val="115000"/>
+                    </a:lnSpc>
+                    <a:spcBef>
+                      <a:spcPts val="0"/>
+                    </a:spcBef>
+                    <a:spcAft>
+                      <a:spcPts val="0"/>
+                    </a:spcAft>
+                  </a:pPr>
+                  <a:r>
+                    <a:rPr lang="en-US" sz="1100" dirty="0">
+                      <a:effectLst/>
+                      <a:latin typeface="Cambria" panose="02040503050406030204" pitchFamily="18" charset="0"/>
+                      <a:ea typeface="Arial" panose="020B0604020202020204" pitchFamily="34" charset="0"/>
+                    </a:rPr>
+                    <a:t>In the illustrated example, in month 1, prevalence increases by “a” units out of a possible “b”, and so </a:t>
+                  </a:r>
+                  <a:r>
+                    <a:rPr lang="en-US" sz="1100" i="1" dirty="0">
+                      <a:effectLst/>
+                      <a:latin typeface="Cambria" panose="02040503050406030204" pitchFamily="18" charset="0"/>
+                      <a:ea typeface="Arial" panose="020B0604020202020204" pitchFamily="34" charset="0"/>
+                      <a:sym typeface="Symbol" pitchFamily="2" charset="2"/>
+                    </a:rPr>
+                    <a:t></a:t>
+                  </a:r>
+                  <a:r>
+                    <a:rPr lang="en-US" sz="1100" baseline="-25000" dirty="0">
+                      <a:effectLst/>
+                      <a:latin typeface="Cambria" panose="02040503050406030204" pitchFamily="18" charset="0"/>
+                      <a:ea typeface="Arial" panose="020B0604020202020204" pitchFamily="34" charset="0"/>
+                    </a:rPr>
+                    <a:t>1</a:t>
+                  </a:r>
+                  <a:r>
+                    <a:rPr lang="en-US" sz="1100" dirty="0">
+                      <a:effectLst/>
+                      <a:latin typeface="Cambria" panose="02040503050406030204" pitchFamily="18" charset="0"/>
+                      <a:ea typeface="Arial" panose="020B0604020202020204" pitchFamily="34" charset="0"/>
+                    </a:rPr>
+                    <a:t>=a/b. In month 4, prevalence decreases by “c” units out of a possible “d”, and so </a:t>
+                  </a:r>
+                  <a:r>
+                    <a:rPr lang="en-US" sz="1100" i="1" dirty="0">
+                      <a:effectLst/>
+                      <a:latin typeface="Cambria" panose="02040503050406030204" pitchFamily="18" charset="0"/>
+                      <a:ea typeface="Arial" panose="020B0604020202020204" pitchFamily="34" charset="0"/>
+                      <a:sym typeface="Symbol" pitchFamily="2" charset="2"/>
+                    </a:rPr>
+                    <a:t></a:t>
+                  </a:r>
+                  <a:r>
+                    <a:rPr lang="en-US" sz="1100" baseline="-25000" dirty="0">
+                      <a:effectLst/>
+                      <a:latin typeface="Cambria" panose="02040503050406030204" pitchFamily="18" charset="0"/>
+                      <a:ea typeface="Arial" panose="020B0604020202020204" pitchFamily="34" charset="0"/>
+                    </a:rPr>
+                    <a:t>4</a:t>
+                  </a:r>
+                  <a:r>
+                    <a:rPr lang="en-US" sz="1100" dirty="0">
+                      <a:effectLst/>
+                      <a:latin typeface="Cambria" panose="02040503050406030204" pitchFamily="18" charset="0"/>
+                      <a:ea typeface="Arial" panose="020B0604020202020204" pitchFamily="34" charset="0"/>
+                    </a:rPr>
+                    <a:t>=1-c/d.</a:t>
+                  </a:r>
+                  <a:endParaRPr lang="en-US" sz="1100" dirty="0">
+                    <a:effectLst/>
+                    <a:latin typeface="Arial" panose="020B0604020202020204" pitchFamily="34" charset="0"/>
+                    <a:ea typeface="Arial" panose="020B0604020202020204" pitchFamily="34" charset="0"/>
+                  </a:endParaRPr>
+                </a:p>
+                <a:p>
+                  <a:pPr marL="0" marR="0">
+                    <a:lnSpc>
+                      <a:spcPct val="115000"/>
+                    </a:lnSpc>
+                    <a:spcBef>
+                      <a:spcPts val="0"/>
+                    </a:spcBef>
+                    <a:spcAft>
+                      <a:spcPts val="0"/>
+                    </a:spcAft>
+                  </a:pPr>
+                  <a:r>
+                    <a:rPr lang="en-US" sz="1100" dirty="0">
+                      <a:effectLst/>
+                      <a:latin typeface="Arial" panose="020B0604020202020204" pitchFamily="34" charset="0"/>
+                      <a:ea typeface="Arial" panose="020B0604020202020204" pitchFamily="34" charset="0"/>
+                    </a:rPr>
+                    <a:t> </a:t>
+                  </a:r>
+                </a:p>
+              </p:txBody>
+            </p:sp>
+          </mc:Choice>
+          <mc:Fallback>
+            <p:sp>
+              <p:nvSpPr>
+                <p:cNvPr id="5" name="Text Box 2">
+                  <a:extLst>
+                    <a:ext uri="{FF2B5EF4-FFF2-40B4-BE49-F238E27FC236}">
+                      <a16:creationId xmlns:a16="http://schemas.microsoft.com/office/drawing/2014/main" id="{7286D472-4FBE-075D-2040-75283FEAC0FC}"/>
+                    </a:ext>
+                  </a:extLst>
+                </p:cNvPr>
+                <p:cNvSpPr txBox="1">
+                  <a:spLocks noRot="1" noChangeAspect="1" noMove="1" noResize="1" noEditPoints="1" noAdjustHandles="1" noChangeArrowheads="1" noChangeShapeType="1" noTextEdit="1"/>
+                </p:cNvSpPr>
+                <p:nvPr/>
+              </p:nvSpPr>
+              <p:spPr>
+                <a:xfrm>
+                  <a:off x="47708" y="55659"/>
+                  <a:ext cx="3561715" cy="3028950"/>
+                </a:xfrm>
+                <a:prstGeom prst="rect">
+                  <a:avLst/>
+                </a:prstGeom>
+                <a:blipFill>
+                  <a:blip r:embed="rId3"/>
+                  <a:stretch>
+                    <a:fillRect/>
+                  </a:stretch>
+                </a:blipFill>
+                <a:ln w="6350">
+                  <a:noFill/>
+                </a:ln>
+              </p:spPr>
+              <p:txBody>
+                <a:bodyPr/>
+                <a:lstStyle/>
+                <a:p>
+                  <a:r>
+                    <a:rPr lang="en-US">
+                      <a:noFill/>
+                    </a:rPr>
+                    <a:t> </a:t>
+                  </a:r>
+                </a:p>
+              </p:txBody>
+            </p:sp>
+          </mc:Fallback>
+        </mc:AlternateContent>
+      </p:grpSp>
+    </p:spTree>
+    <p:extLst>
+      <p:ext uri="{BB962C8B-B14F-4D97-AF65-F5344CB8AC3E}">
+        <p14:creationId xmlns:p14="http://schemas.microsoft.com/office/powerpoint/2010/main" val="2703543693"/>
+      </p:ext>
+    </p:extLst>
+  </p:cSld>
+  <p:clrMapOvr>
+    <a:masterClrMapping/>
+  </p:clrMapOvr>
+</p:sld>
+</file>
+
+<file path=ppt/slides/slide3.xml><?xml version="1.0" encoding="utf-8"?>
 <p:sld xmlns:a="http://schemas.openxmlformats.org/drawingml/2006/main" xmlns:r="http://schemas.openxmlformats.org/officeDocument/2006/relationships" xmlns:p="http://schemas.openxmlformats.org/presentationml/2006/main">
   <p:cSld>
     <p:spTree>
@@ -3815,7 +5004,7 @@
 </p:sld>
 </file>
 
-<file path=ppt/slides/slide3.xml><?xml version="1.0" encoding="utf-8"?>
+<file path=ppt/slides/slide4.xml><?xml version="1.0" encoding="utf-8"?>
 <p:sld xmlns:a="http://schemas.openxmlformats.org/drawingml/2006/main" xmlns:r="http://schemas.openxmlformats.org/officeDocument/2006/relationships" xmlns:p="http://schemas.openxmlformats.org/presentationml/2006/main">
   <p:cSld>
     <p:spTree>

--- a/figures/fig_edits.pptx
+++ b/figures/fig_edits.pptx
@@ -262,7 +262,7 @@
           <a:p>
             <a:fld id="{61059530-7D86-0045-B1F4-B0F4811E975F}" type="datetimeFigureOut">
               <a:rPr lang="en-US" smtClean="0"/>
-              <a:t>10/30/23</a:t>
+              <a:t>4/30/24</a:t>
             </a:fld>
             <a:endParaRPr lang="en-US"/>
           </a:p>
@@ -460,7 +460,7 @@
           <a:p>
             <a:fld id="{61059530-7D86-0045-B1F4-B0F4811E975F}" type="datetimeFigureOut">
               <a:rPr lang="en-US" smtClean="0"/>
-              <a:t>10/30/23</a:t>
+              <a:t>4/30/24</a:t>
             </a:fld>
             <a:endParaRPr lang="en-US"/>
           </a:p>
@@ -668,7 +668,7 @@
           <a:p>
             <a:fld id="{61059530-7D86-0045-B1F4-B0F4811E975F}" type="datetimeFigureOut">
               <a:rPr lang="en-US" smtClean="0"/>
-              <a:t>10/30/23</a:t>
+              <a:t>4/30/24</a:t>
             </a:fld>
             <a:endParaRPr lang="en-US"/>
           </a:p>
@@ -866,7 +866,7 @@
           <a:p>
             <a:fld id="{61059530-7D86-0045-B1F4-B0F4811E975F}" type="datetimeFigureOut">
               <a:rPr lang="en-US" smtClean="0"/>
-              <a:t>10/30/23</a:t>
+              <a:t>4/30/24</a:t>
             </a:fld>
             <a:endParaRPr lang="en-US"/>
           </a:p>
@@ -1141,7 +1141,7 @@
           <a:p>
             <a:fld id="{61059530-7D86-0045-B1F4-B0F4811E975F}" type="datetimeFigureOut">
               <a:rPr lang="en-US" smtClean="0"/>
-              <a:t>10/30/23</a:t>
+              <a:t>4/30/24</a:t>
             </a:fld>
             <a:endParaRPr lang="en-US"/>
           </a:p>
@@ -1406,7 +1406,7 @@
           <a:p>
             <a:fld id="{61059530-7D86-0045-B1F4-B0F4811E975F}" type="datetimeFigureOut">
               <a:rPr lang="en-US" smtClean="0"/>
-              <a:t>10/30/23</a:t>
+              <a:t>4/30/24</a:t>
             </a:fld>
             <a:endParaRPr lang="en-US"/>
           </a:p>
@@ -1818,7 +1818,7 @@
           <a:p>
             <a:fld id="{61059530-7D86-0045-B1F4-B0F4811E975F}" type="datetimeFigureOut">
               <a:rPr lang="en-US" smtClean="0"/>
-              <a:t>10/30/23</a:t>
+              <a:t>4/30/24</a:t>
             </a:fld>
             <a:endParaRPr lang="en-US"/>
           </a:p>
@@ -1959,7 +1959,7 @@
           <a:p>
             <a:fld id="{61059530-7D86-0045-B1F4-B0F4811E975F}" type="datetimeFigureOut">
               <a:rPr lang="en-US" smtClean="0"/>
-              <a:t>10/30/23</a:t>
+              <a:t>4/30/24</a:t>
             </a:fld>
             <a:endParaRPr lang="en-US"/>
           </a:p>
@@ -2072,7 +2072,7 @@
           <a:p>
             <a:fld id="{61059530-7D86-0045-B1F4-B0F4811E975F}" type="datetimeFigureOut">
               <a:rPr lang="en-US" smtClean="0"/>
-              <a:t>10/30/23</a:t>
+              <a:t>4/30/24</a:t>
             </a:fld>
             <a:endParaRPr lang="en-US"/>
           </a:p>
@@ -2383,7 +2383,7 @@
           <a:p>
             <a:fld id="{61059530-7D86-0045-B1F4-B0F4811E975F}" type="datetimeFigureOut">
               <a:rPr lang="en-US" smtClean="0"/>
-              <a:t>10/30/23</a:t>
+              <a:t>4/30/24</a:t>
             </a:fld>
             <a:endParaRPr lang="en-US"/>
           </a:p>
@@ -2671,7 +2671,7 @@
           <a:p>
             <a:fld id="{61059530-7D86-0045-B1F4-B0F4811E975F}" type="datetimeFigureOut">
               <a:rPr lang="en-US" smtClean="0"/>
-              <a:t>10/30/23</a:t>
+              <a:t>4/30/24</a:t>
             </a:fld>
             <a:endParaRPr lang="en-US"/>
           </a:p>
@@ -2912,7 +2912,7 @@
           <a:p>
             <a:fld id="{61059530-7D86-0045-B1F4-B0F4811E975F}" type="datetimeFigureOut">
               <a:rPr lang="en-US" smtClean="0"/>
-              <a:t>10/30/23</a:t>
+              <a:t>4/30/24</a:t>
             </a:fld>
             <a:endParaRPr lang="en-US"/>
           </a:p>
@@ -3630,16 +3630,10 @@
                   </a:r>
                 </a:p>
                 <a:p>
-                  <a:pPr marL="0" marR="0">
+                  <a:pPr>
                     <a:lnSpc>
                       <a:spcPct val="115000"/>
                     </a:lnSpc>
-                    <a:spcBef>
-                      <a:spcPts val="0"/>
-                    </a:spcBef>
-                    <a:spcAft>
-                      <a:spcPts val="0"/>
-                    </a:spcAft>
                   </a:pPr>
                   <a14:m>
                     <m:oMathPara xmlns:m="http://schemas.openxmlformats.org/officeDocument/2006/math">
@@ -3926,11 +3920,10 @@
                                       <a:latin typeface="Cambria Math" panose="02040503050406030204" pitchFamily="18" charset="0"/>
                                       <a:ea typeface="Arial" panose="020B0604020202020204" pitchFamily="34" charset="0"/>
                                     </a:rPr>
-                                    <m:t>,</m:t>
+                                    <m:t>≤</m:t>
                                   </m:r>
                                   <m:r>
                                     <a:rPr lang="en-US" sz="1100" i="1">
-                                      <a:effectLst/>
                                       <a:latin typeface="Cambria Math" panose="02040503050406030204" pitchFamily="18" charset="0"/>
                                       <a:ea typeface="Arial" panose="020B0604020202020204" pitchFamily="34" charset="0"/>
                                     </a:rPr>
@@ -3938,22 +3931,10 @@
                                   </m:r>
                                   <m:r>
                                     <a:rPr lang="en-US" sz="1100" i="1">
-                                      <a:effectLst/>
                                       <a:latin typeface="Cambria Math" panose="02040503050406030204" pitchFamily="18" charset="0"/>
                                       <a:ea typeface="Arial" panose="020B0604020202020204" pitchFamily="34" charset="0"/>
                                     </a:rPr>
-                                    <m:t>+1≤</m:t>
-                                  </m:r>
-                                  <m:r>
-                                    <m:rPr>
-                                      <m:sty m:val="p"/>
-                                    </m:rPr>
-                                    <a:rPr lang="en-US" sz="1100">
-                                      <a:effectLst/>
-                                      <a:latin typeface="Cambria Math" panose="02040503050406030204" pitchFamily="18" charset="0"/>
-                                      <a:ea typeface="Arial" panose="020B0604020202020204" pitchFamily="34" charset="0"/>
-                                    </a:rPr>
-                                    <m:t>max</m:t>
+                                    <m:t>+1</m:t>
                                   </m:r>
                                 </m:e>
                               </m:mr>
@@ -4140,11 +4121,10 @@
                                       <a:latin typeface="Cambria Math" panose="02040503050406030204" pitchFamily="18" charset="0"/>
                                       <a:ea typeface="Arial" panose="020B0604020202020204" pitchFamily="34" charset="0"/>
                                     </a:rPr>
-                                    <m:t>,</m:t>
+                                    <m:t>≥</m:t>
                                   </m:r>
                                   <m:r>
                                     <a:rPr lang="en-US" sz="1100" i="1">
-                                      <a:effectLst/>
                                       <a:latin typeface="Cambria Math" panose="02040503050406030204" pitchFamily="18" charset="0"/>
                                       <a:ea typeface="Arial" panose="020B0604020202020204" pitchFamily="34" charset="0"/>
                                     </a:rPr>
@@ -4152,30 +4132,10 @@
                                   </m:r>
                                   <m:r>
                                     <a:rPr lang="en-US" sz="1100" i="1">
-                                      <a:effectLst/>
                                       <a:latin typeface="Cambria Math" panose="02040503050406030204" pitchFamily="18" charset="0"/>
                                       <a:ea typeface="Arial" panose="020B0604020202020204" pitchFamily="34" charset="0"/>
                                     </a:rPr>
-                                    <m:t>+1≥</m:t>
-                                  </m:r>
-                                  <m:r>
-                                    <m:rPr>
-                                      <m:sty m:val="p"/>
-                                    </m:rPr>
-                                    <a:rPr lang="en-US" sz="1100">
-                                      <a:effectLst/>
-                                      <a:latin typeface="Cambria Math" panose="02040503050406030204" pitchFamily="18" charset="0"/>
-                                      <a:ea typeface="Arial" panose="020B0604020202020204" pitchFamily="34" charset="0"/>
-                                    </a:rPr>
-                                    <m:t>max</m:t>
-                                  </m:r>
-                                  <m:r>
-                                    <a:rPr lang="en-US" sz="1100" i="1">
-                                      <a:effectLst/>
-                                      <a:latin typeface="Cambria Math" panose="02040503050406030204" pitchFamily="18" charset="0"/>
-                                      <a:ea typeface="Arial" panose="020B0604020202020204" pitchFamily="34" charset="0"/>
-                                    </a:rPr>
-                                    <m:t>    </m:t>
+                                    <m:t>+1</m:t>
                                   </m:r>
                                 </m:e>
                               </m:mr>
@@ -4594,10 +4554,10 @@
       </p:grpSpPr>
       <p:grpSp>
         <p:nvGrpSpPr>
-          <p:cNvPr id="12" name="Group 11">
-            <a:extLst>
-              <a:ext uri="{FF2B5EF4-FFF2-40B4-BE49-F238E27FC236}">
-                <a16:creationId xmlns:a16="http://schemas.microsoft.com/office/drawing/2014/main" id="{BDF2BA42-5EA8-0AAC-224C-527812F1113F}"/>
+          <p:cNvPr id="18" name="Group 17">
+            <a:extLst>
+              <a:ext uri="{FF2B5EF4-FFF2-40B4-BE49-F238E27FC236}">
+                <a16:creationId xmlns:a16="http://schemas.microsoft.com/office/drawing/2014/main" id="{43C1DCCB-CFBA-ACFB-01C5-4AF8F3311615}"/>
               </a:ext>
             </a:extLst>
           </p:cNvPr>
@@ -4606,18 +4566,47 @@
         </p:nvGrpSpPr>
         <p:grpSpPr>
           <a:xfrm>
-            <a:off x="1541121" y="426084"/>
-            <a:ext cx="9109758" cy="5788979"/>
-            <a:chOff x="1541121" y="426084"/>
-            <a:chExt cx="9109758" cy="5788979"/>
+            <a:off x="1344286" y="426084"/>
+            <a:ext cx="9306593" cy="6043171"/>
+            <a:chOff x="1344286" y="426084"/>
+            <a:chExt cx="9306593" cy="6043171"/>
           </a:xfrm>
         </p:grpSpPr>
+        <p:pic>
+          <p:nvPicPr>
+            <p:cNvPr id="17" name="Picture 16" descr="A graph of different colored lines&#10;&#10;Description automatically generated">
+              <a:extLst>
+                <a:ext uri="{FF2B5EF4-FFF2-40B4-BE49-F238E27FC236}">
+                  <a16:creationId xmlns:a16="http://schemas.microsoft.com/office/drawing/2014/main" id="{0073856B-0C8B-1329-75FD-30B10A9374AA}"/>
+                </a:ext>
+              </a:extLst>
+            </p:cNvPr>
+            <p:cNvPicPr>
+              <a:picLocks noChangeAspect="1"/>
+            </p:cNvPicPr>
+            <p:nvPr/>
+          </p:nvPicPr>
+          <p:blipFill rotWithShape="1">
+            <a:blip r:embed="rId2"/>
+            <a:srcRect r="16809"/>
+            <a:stretch/>
+          </p:blipFill>
+          <p:spPr>
+            <a:xfrm>
+              <a:off x="1344286" y="700995"/>
+              <a:ext cx="7762136" cy="5768260"/>
+            </a:xfrm>
+            <a:prstGeom prst="rect">
+              <a:avLst/>
+            </a:prstGeom>
+          </p:spPr>
+        </p:pic>
         <p:grpSp>
           <p:nvGrpSpPr>
-            <p:cNvPr id="2" name="Group 1">
+            <p:cNvPr id="12" name="Group 11">
               <a:extLst>
                 <a:ext uri="{FF2B5EF4-FFF2-40B4-BE49-F238E27FC236}">
-                  <a16:creationId xmlns:a16="http://schemas.microsoft.com/office/drawing/2014/main" id="{D19CED81-A7DD-14ED-77AC-AC844F7CC1B4}"/>
+                  <a16:creationId xmlns:a16="http://schemas.microsoft.com/office/drawing/2014/main" id="{BDF2BA42-5EA8-0AAC-224C-527812F1113F}"/>
                 </a:ext>
               </a:extLst>
             </p:cNvPr>
@@ -4627,368 +4616,354 @@
           <p:grpSpPr>
             <a:xfrm>
               <a:off x="1541121" y="426084"/>
-              <a:ext cx="7465092" cy="5788979"/>
-              <a:chOff x="0" y="0"/>
-              <a:chExt cx="4870549" cy="3777477"/>
+              <a:ext cx="9109758" cy="4920809"/>
+              <a:chOff x="1541121" y="426084"/>
+              <a:chExt cx="9109758" cy="4920809"/>
             </a:xfrm>
           </p:grpSpPr>
-          <p:pic>
-            <p:nvPicPr>
-              <p:cNvPr id="3" name="Picture 2" descr="A graph of different colored lines&#10;&#10;Description automatically generated">
+          <p:grpSp>
+            <p:nvGrpSpPr>
+              <p:cNvPr id="2" name="Group 1">
                 <a:extLst>
                   <a:ext uri="{FF2B5EF4-FFF2-40B4-BE49-F238E27FC236}">
-                    <a16:creationId xmlns:a16="http://schemas.microsoft.com/office/drawing/2014/main" id="{DB710F58-4E80-FDC9-E33F-57154086D6D5}"/>
+                    <a16:creationId xmlns:a16="http://schemas.microsoft.com/office/drawing/2014/main" id="{D19CED81-A7DD-14ED-77AC-AC844F7CC1B4}"/>
                   </a:ext>
                 </a:extLst>
               </p:cNvPr>
-              <p:cNvPicPr>
-                <a:picLocks noChangeAspect="1"/>
-              </p:cNvPicPr>
+              <p:cNvGrpSpPr/>
               <p:nvPr/>
-            </p:nvPicPr>
-            <p:blipFill rotWithShape="1">
-              <a:blip r:embed="rId2" cstate="print">
-                <a:extLst>
-                  <a:ext uri="{28A0092B-C50C-407E-A947-70E740481C1C}">
-                    <a14:useLocalDpi xmlns:a14="http://schemas.microsoft.com/office/drawing/2010/main" val="0"/>
-                  </a:ext>
-                </a:extLst>
-              </a:blip>
-              <a:srcRect r="18054"/>
-              <a:stretch/>
-            </p:blipFill>
-            <p:spPr>
+            </p:nvGrpSpPr>
+            <p:grpSpPr>
               <a:xfrm>
-                <a:off x="0" y="103367"/>
-                <a:ext cx="4870549" cy="3674110"/>
+                <a:off x="1541121" y="426084"/>
+                <a:ext cx="4887173" cy="550429"/>
+                <a:chOff x="0" y="0"/>
+                <a:chExt cx="3188603" cy="359171"/>
               </a:xfrm>
-              <a:prstGeom prst="rect">
-                <a:avLst/>
-              </a:prstGeom>
-            </p:spPr>
-          </p:pic>
-          <p:sp>
-            <p:nvSpPr>
-              <p:cNvPr id="4" name="Text Box 1">
+            </p:grpSpPr>
+            <p:sp>
+              <p:nvSpPr>
+                <p:cNvPr id="4" name="Text Box 1">
+                  <a:extLst>
+                    <a:ext uri="{FF2B5EF4-FFF2-40B4-BE49-F238E27FC236}">
+                      <a16:creationId xmlns:a16="http://schemas.microsoft.com/office/drawing/2014/main" id="{AAB98CF7-5A7C-A88B-CD05-7C207ABC26BD}"/>
+                    </a:ext>
+                  </a:extLst>
+                </p:cNvPr>
+                <p:cNvSpPr txBox="1"/>
+                <p:nvPr/>
+              </p:nvSpPr>
+              <p:spPr>
+                <a:xfrm>
+                  <a:off x="0" y="0"/>
+                  <a:ext cx="389255" cy="358775"/>
+                </a:xfrm>
+                <a:prstGeom prst="rect">
+                  <a:avLst/>
+                </a:prstGeom>
+                <a:solidFill>
+                  <a:schemeClr val="lt1"/>
+                </a:solidFill>
+                <a:ln w="6350">
+                  <a:noFill/>
+                </a:ln>
+              </p:spPr>
+              <p:txBody>
+                <a:bodyPr rot="0" spcFirstLastPara="0" vert="horz" wrap="square" lIns="91440" tIns="45720" rIns="91440" bIns="45720" numCol="1" spcCol="0" rtlCol="0" fromWordArt="0" anchor="t" anchorCtr="0" forceAA="0" compatLnSpc="1">
+                  <a:prstTxWarp prst="textNoShape">
+                    <a:avLst/>
+                  </a:prstTxWarp>
+                  <a:noAutofit/>
+                </a:bodyPr>
+                <a:lstStyle/>
+                <a:p>
+                  <a:pPr marL="0" marR="0">
+                    <a:lnSpc>
+                      <a:spcPct val="115000"/>
+                    </a:lnSpc>
+                    <a:spcBef>
+                      <a:spcPts val="0"/>
+                    </a:spcBef>
+                    <a:spcAft>
+                      <a:spcPts val="0"/>
+                    </a:spcAft>
+                  </a:pPr>
+                  <a:r>
+                    <a:rPr lang="en-US" sz="1800" dirty="0">
+                      <a:effectLst/>
+                      <a:latin typeface="Arial" panose="020B0604020202020204" pitchFamily="34" charset="0"/>
+                      <a:ea typeface="Arial" panose="020B0604020202020204" pitchFamily="34" charset="0"/>
+                    </a:rPr>
+                    <a:t>A</a:t>
+                  </a:r>
+                  <a:endParaRPr lang="en-US" sz="1100" dirty="0">
+                    <a:effectLst/>
+                    <a:latin typeface="Arial" panose="020B0604020202020204" pitchFamily="34" charset="0"/>
+                    <a:ea typeface="Arial" panose="020B0604020202020204" pitchFamily="34" charset="0"/>
+                  </a:endParaRPr>
+                </a:p>
+              </p:txBody>
+            </p:sp>
+            <p:sp>
+              <p:nvSpPr>
+                <p:cNvPr id="5" name="Text Box 1">
+                  <a:extLst>
+                    <a:ext uri="{FF2B5EF4-FFF2-40B4-BE49-F238E27FC236}">
+                      <a16:creationId xmlns:a16="http://schemas.microsoft.com/office/drawing/2014/main" id="{3BF7CFDD-0E8C-A31C-554C-D085C8E8F1D7}"/>
+                    </a:ext>
+                  </a:extLst>
+                </p:cNvPr>
+                <p:cNvSpPr txBox="1"/>
+                <p:nvPr/>
+              </p:nvSpPr>
+              <p:spPr>
+                <a:xfrm>
+                  <a:off x="2798859" y="0"/>
+                  <a:ext cx="389744" cy="359171"/>
+                </a:xfrm>
+                <a:prstGeom prst="rect">
+                  <a:avLst/>
+                </a:prstGeom>
+                <a:solidFill>
+                  <a:schemeClr val="lt1"/>
+                </a:solidFill>
+                <a:ln w="6350">
+                  <a:noFill/>
+                </a:ln>
+              </p:spPr>
+              <p:txBody>
+                <a:bodyPr rot="0" spcFirstLastPara="0" vert="horz" wrap="square" lIns="91440" tIns="45720" rIns="91440" bIns="45720" numCol="1" spcCol="0" rtlCol="0" fromWordArt="0" anchor="t" anchorCtr="0" forceAA="0" compatLnSpc="1">
+                  <a:prstTxWarp prst="textNoShape">
+                    <a:avLst/>
+                  </a:prstTxWarp>
+                  <a:noAutofit/>
+                </a:bodyPr>
+                <a:lstStyle/>
+                <a:p>
+                  <a:pPr marL="0" marR="0">
+                    <a:lnSpc>
+                      <a:spcPct val="115000"/>
+                    </a:lnSpc>
+                    <a:spcBef>
+                      <a:spcPts val="0"/>
+                    </a:spcBef>
+                    <a:spcAft>
+                      <a:spcPts val="0"/>
+                    </a:spcAft>
+                  </a:pPr>
+                  <a:r>
+                    <a:rPr lang="en-US" sz="1800" dirty="0">
+                      <a:effectLst/>
+                      <a:latin typeface="Arial" panose="020B0604020202020204" pitchFamily="34" charset="0"/>
+                      <a:ea typeface="Arial" panose="020B0604020202020204" pitchFamily="34" charset="0"/>
+                    </a:rPr>
+                    <a:t>B</a:t>
+                  </a:r>
+                  <a:endParaRPr lang="en-US" sz="1100" dirty="0">
+                    <a:effectLst/>
+                    <a:latin typeface="Arial" panose="020B0604020202020204" pitchFamily="34" charset="0"/>
+                    <a:ea typeface="Arial" panose="020B0604020202020204" pitchFamily="34" charset="0"/>
+                  </a:endParaRPr>
+                </a:p>
+              </p:txBody>
+            </p:sp>
+          </p:grpSp>
+          <p:grpSp>
+            <p:nvGrpSpPr>
+              <p:cNvPr id="6" name="Group 5">
                 <a:extLst>
                   <a:ext uri="{FF2B5EF4-FFF2-40B4-BE49-F238E27FC236}">
-                    <a16:creationId xmlns:a16="http://schemas.microsoft.com/office/drawing/2014/main" id="{AAB98CF7-5A7C-A88B-CD05-7C207ABC26BD}"/>
+                    <a16:creationId xmlns:a16="http://schemas.microsoft.com/office/drawing/2014/main" id="{7A322ED5-ECBB-9F7A-0708-37D232686E28}"/>
                   </a:ext>
                 </a:extLst>
               </p:cNvPr>
-              <p:cNvSpPr txBox="1"/>
+              <p:cNvGrpSpPr/>
               <p:nvPr/>
-            </p:nvSpPr>
-            <p:spPr>
+            </p:nvGrpSpPr>
+            <p:grpSpPr>
               <a:xfrm>
-                <a:off x="0" y="0"/>
-                <a:ext cx="389255" cy="358775"/>
+                <a:off x="9001125" y="975906"/>
+                <a:ext cx="1649754" cy="4370987"/>
+                <a:chOff x="9001125" y="1063125"/>
+                <a:chExt cx="1649754" cy="4370987"/>
               </a:xfrm>
-              <a:prstGeom prst="rect">
-                <a:avLst/>
-              </a:prstGeom>
-              <a:solidFill>
-                <a:schemeClr val="lt1"/>
-              </a:solidFill>
-              <a:ln w="6350">
-                <a:noFill/>
-              </a:ln>
-            </p:spPr>
-            <p:txBody>
-              <a:bodyPr rot="0" spcFirstLastPara="0" vert="horz" wrap="square" lIns="91440" tIns="45720" rIns="91440" bIns="45720" numCol="1" spcCol="0" rtlCol="0" fromWordArt="0" anchor="t" anchorCtr="0" forceAA="0" compatLnSpc="1">
-                <a:prstTxWarp prst="textNoShape">
+            </p:grpSpPr>
+            <p:pic>
+              <p:nvPicPr>
+                <p:cNvPr id="7" name="Picture 6" descr="A graph of different colored lines&#10;&#10;Description automatically generated">
+                  <a:extLst>
+                    <a:ext uri="{FF2B5EF4-FFF2-40B4-BE49-F238E27FC236}">
+                      <a16:creationId xmlns:a16="http://schemas.microsoft.com/office/drawing/2014/main" id="{2B96FD10-60C8-71D3-5EE3-C9F541D55F2C}"/>
+                    </a:ext>
+                  </a:extLst>
+                </p:cNvPr>
+                <p:cNvPicPr>
+                  <a:picLocks noChangeAspect="1"/>
+                </p:cNvPicPr>
+                <p:nvPr/>
+              </p:nvPicPr>
+              <p:blipFill rotWithShape="1">
+                <a:blip r:embed="rId3" cstate="print">
+                  <a:extLst>
+                    <a:ext uri="{28A0092B-C50C-407E-A947-70E740481C1C}">
+                      <a14:useLocalDpi xmlns:a14="http://schemas.microsoft.com/office/drawing/2010/main" val="0"/>
+                    </a:ext>
+                  </a:extLst>
+                </a:blip>
+                <a:srcRect l="81890" b="76378"/>
+                <a:stretch/>
+              </p:blipFill>
+              <p:spPr>
+                <a:xfrm>
+                  <a:off x="9001125" y="4104081"/>
+                  <a:ext cx="1649754" cy="1330031"/>
+                </a:xfrm>
+                <a:prstGeom prst="rect">
                   <a:avLst/>
-                </a:prstTxWarp>
-                <a:noAutofit/>
-              </a:bodyPr>
-              <a:lstStyle/>
-              <a:p>
-                <a:pPr marL="0" marR="0">
-                  <a:lnSpc>
-                    <a:spcPct val="115000"/>
-                  </a:lnSpc>
-                  <a:spcBef>
-                    <a:spcPts val="0"/>
-                  </a:spcBef>
-                  <a:spcAft>
-                    <a:spcPts val="0"/>
-                  </a:spcAft>
-                </a:pPr>
-                <a:r>
-                  <a:rPr lang="en-US" sz="1800" dirty="0">
-                    <a:effectLst/>
-                    <a:latin typeface="Arial" panose="020B0604020202020204" pitchFamily="34" charset="0"/>
-                    <a:ea typeface="Arial" panose="020B0604020202020204" pitchFamily="34" charset="0"/>
-                  </a:rPr>
-                  <a:t>A</a:t>
-                </a:r>
-                <a:endParaRPr lang="en-US" sz="1100" dirty="0">
-                  <a:effectLst/>
-                  <a:latin typeface="Arial" panose="020B0604020202020204" pitchFamily="34" charset="0"/>
-                  <a:ea typeface="Arial" panose="020B0604020202020204" pitchFamily="34" charset="0"/>
-                </a:endParaRPr>
-              </a:p>
-            </p:txBody>
-          </p:sp>
-          <p:sp>
-            <p:nvSpPr>
-              <p:cNvPr id="5" name="Text Box 1">
-                <a:extLst>
-                  <a:ext uri="{FF2B5EF4-FFF2-40B4-BE49-F238E27FC236}">
-                    <a16:creationId xmlns:a16="http://schemas.microsoft.com/office/drawing/2014/main" id="{3BF7CFDD-0E8C-A31C-554C-D085C8E8F1D7}"/>
-                  </a:ext>
-                </a:extLst>
-              </p:cNvPr>
-              <p:cNvSpPr txBox="1"/>
-              <p:nvPr/>
-            </p:nvSpPr>
-            <p:spPr>
-              <a:xfrm>
-                <a:off x="2798859" y="0"/>
-                <a:ext cx="389744" cy="359171"/>
-              </a:xfrm>
-              <a:prstGeom prst="rect">
-                <a:avLst/>
-              </a:prstGeom>
-              <a:solidFill>
-                <a:schemeClr val="lt1"/>
-              </a:solidFill>
-              <a:ln w="6350">
-                <a:noFill/>
-              </a:ln>
-            </p:spPr>
-            <p:txBody>
-              <a:bodyPr rot="0" spcFirstLastPara="0" vert="horz" wrap="square" lIns="91440" tIns="45720" rIns="91440" bIns="45720" numCol="1" spcCol="0" rtlCol="0" fromWordArt="0" anchor="t" anchorCtr="0" forceAA="0" compatLnSpc="1">
-                <a:prstTxWarp prst="textNoShape">
+                </a:prstGeom>
+              </p:spPr>
+            </p:pic>
+            <p:pic>
+              <p:nvPicPr>
+                <p:cNvPr id="8" name="Picture 7" descr="A graph of different colored lines&#10;&#10;Description automatically generated">
+                  <a:extLst>
+                    <a:ext uri="{FF2B5EF4-FFF2-40B4-BE49-F238E27FC236}">
+                      <a16:creationId xmlns:a16="http://schemas.microsoft.com/office/drawing/2014/main" id="{071D7AEC-BBA4-328D-D612-97923E6CD59A}"/>
+                    </a:ext>
+                  </a:extLst>
+                </p:cNvPr>
+                <p:cNvPicPr>
+                  <a:picLocks noChangeAspect="1"/>
+                </p:cNvPicPr>
+                <p:nvPr/>
+              </p:nvPicPr>
+              <p:blipFill rotWithShape="1">
+                <a:blip r:embed="rId3" cstate="print">
+                  <a:extLst>
+                    <a:ext uri="{28A0092B-C50C-407E-A947-70E740481C1C}">
+                      <a14:useLocalDpi xmlns:a14="http://schemas.microsoft.com/office/drawing/2010/main" val="0"/>
+                    </a:ext>
+                  </a:extLst>
+                </a:blip>
+                <a:srcRect l="81890" t="74625" b="8374"/>
+                <a:stretch/>
+              </p:blipFill>
+              <p:spPr>
+                <a:xfrm>
+                  <a:off x="9001125" y="1063125"/>
+                  <a:ext cx="1649754" cy="957262"/>
+                </a:xfrm>
+                <a:prstGeom prst="rect">
                   <a:avLst/>
-                </a:prstTxWarp>
-                <a:noAutofit/>
-              </a:bodyPr>
-              <a:lstStyle/>
-              <a:p>
-                <a:pPr marL="0" marR="0">
-                  <a:lnSpc>
-                    <a:spcPct val="115000"/>
-                  </a:lnSpc>
-                  <a:spcBef>
-                    <a:spcPts val="0"/>
-                  </a:spcBef>
-                  <a:spcAft>
-                    <a:spcPts val="0"/>
-                  </a:spcAft>
-                </a:pPr>
-                <a:r>
-                  <a:rPr lang="en-US" sz="1800" dirty="0">
-                    <a:effectLst/>
-                    <a:latin typeface="Arial" panose="020B0604020202020204" pitchFamily="34" charset="0"/>
-                    <a:ea typeface="Arial" panose="020B0604020202020204" pitchFamily="34" charset="0"/>
-                  </a:rPr>
-                  <a:t>B</a:t>
-                </a:r>
-                <a:endParaRPr lang="en-US" sz="1100" dirty="0">
-                  <a:effectLst/>
-                  <a:latin typeface="Arial" panose="020B0604020202020204" pitchFamily="34" charset="0"/>
-                  <a:ea typeface="Arial" panose="020B0604020202020204" pitchFamily="34" charset="0"/>
-                </a:endParaRPr>
-              </a:p>
-            </p:txBody>
-          </p:sp>
-        </p:grpSp>
-        <p:grpSp>
-          <p:nvGrpSpPr>
-            <p:cNvPr id="6" name="Group 5">
-              <a:extLst>
-                <a:ext uri="{FF2B5EF4-FFF2-40B4-BE49-F238E27FC236}">
-                  <a16:creationId xmlns:a16="http://schemas.microsoft.com/office/drawing/2014/main" id="{7A322ED5-ECBB-9F7A-0708-37D232686E28}"/>
-                </a:ext>
-              </a:extLst>
-            </p:cNvPr>
-            <p:cNvGrpSpPr/>
-            <p:nvPr/>
-          </p:nvGrpSpPr>
-          <p:grpSpPr>
-            <a:xfrm>
-              <a:off x="9001125" y="975906"/>
-              <a:ext cx="1649754" cy="4370987"/>
-              <a:chOff x="9001125" y="1063125"/>
-              <a:chExt cx="1649754" cy="4370987"/>
-            </a:xfrm>
-          </p:grpSpPr>
-          <p:pic>
-            <p:nvPicPr>
-              <p:cNvPr id="7" name="Picture 6" descr="A graph of different colored lines&#10;&#10;Description automatically generated">
-                <a:extLst>
-                  <a:ext uri="{FF2B5EF4-FFF2-40B4-BE49-F238E27FC236}">
-                    <a16:creationId xmlns:a16="http://schemas.microsoft.com/office/drawing/2014/main" id="{2B96FD10-60C8-71D3-5EE3-C9F541D55F2C}"/>
-                  </a:ext>
-                </a:extLst>
-              </p:cNvPr>
-              <p:cNvPicPr>
-                <a:picLocks noChangeAspect="1"/>
-              </p:cNvPicPr>
-              <p:nvPr/>
-            </p:nvPicPr>
-            <p:blipFill rotWithShape="1">
-              <a:blip r:embed="rId2" cstate="print">
-                <a:extLst>
-                  <a:ext uri="{28A0092B-C50C-407E-A947-70E740481C1C}">
-                    <a14:useLocalDpi xmlns:a14="http://schemas.microsoft.com/office/drawing/2010/main" val="0"/>
-                  </a:ext>
-                </a:extLst>
-              </a:blip>
-              <a:srcRect l="81890" b="76378"/>
-              <a:stretch/>
-            </p:blipFill>
-            <p:spPr>
-              <a:xfrm>
-                <a:off x="9001125" y="4104081"/>
-                <a:ext cx="1649754" cy="1330031"/>
-              </a:xfrm>
-              <a:prstGeom prst="rect">
-                <a:avLst/>
-              </a:prstGeom>
-            </p:spPr>
-          </p:pic>
-          <p:pic>
-            <p:nvPicPr>
-              <p:cNvPr id="8" name="Picture 7" descr="A graph of different colored lines&#10;&#10;Description automatically generated">
-                <a:extLst>
-                  <a:ext uri="{FF2B5EF4-FFF2-40B4-BE49-F238E27FC236}">
-                    <a16:creationId xmlns:a16="http://schemas.microsoft.com/office/drawing/2014/main" id="{071D7AEC-BBA4-328D-D612-97923E6CD59A}"/>
-                  </a:ext>
-                </a:extLst>
-              </p:cNvPr>
-              <p:cNvPicPr>
-                <a:picLocks noChangeAspect="1"/>
-              </p:cNvPicPr>
-              <p:nvPr/>
-            </p:nvPicPr>
-            <p:blipFill rotWithShape="1">
-              <a:blip r:embed="rId2" cstate="print">
-                <a:extLst>
-                  <a:ext uri="{28A0092B-C50C-407E-A947-70E740481C1C}">
-                    <a14:useLocalDpi xmlns:a14="http://schemas.microsoft.com/office/drawing/2010/main" val="0"/>
-                  </a:ext>
-                </a:extLst>
-              </a:blip>
-              <a:srcRect l="81890" t="74625" b="8374"/>
-              <a:stretch/>
-            </p:blipFill>
-            <p:spPr>
-              <a:xfrm>
-                <a:off x="9001125" y="1063125"/>
-                <a:ext cx="1649754" cy="957262"/>
-              </a:xfrm>
-              <a:prstGeom prst="rect">
-                <a:avLst/>
-              </a:prstGeom>
-            </p:spPr>
-          </p:pic>
-          <p:pic>
-            <p:nvPicPr>
-              <p:cNvPr id="9" name="Picture 8" descr="A graph of different colored lines&#10;&#10;Description automatically generated">
-                <a:extLst>
-                  <a:ext uri="{FF2B5EF4-FFF2-40B4-BE49-F238E27FC236}">
-                    <a16:creationId xmlns:a16="http://schemas.microsoft.com/office/drawing/2014/main" id="{C187B8E8-4845-ADA9-5AC2-08080F9B72CB}"/>
-                  </a:ext>
-                </a:extLst>
-              </p:cNvPr>
-              <p:cNvPicPr>
-                <a:picLocks noChangeAspect="1"/>
-              </p:cNvPicPr>
-              <p:nvPr/>
-            </p:nvPicPr>
-            <p:blipFill rotWithShape="1">
-              <a:blip r:embed="rId2" cstate="print">
-                <a:extLst>
-                  <a:ext uri="{28A0092B-C50C-407E-A947-70E740481C1C}">
-                    <a14:useLocalDpi xmlns:a14="http://schemas.microsoft.com/office/drawing/2010/main" val="0"/>
-                  </a:ext>
-                </a:extLst>
-              </a:blip>
-              <a:srcRect l="81890" t="22437" b="61576"/>
-              <a:stretch/>
-            </p:blipFill>
-            <p:spPr>
-              <a:xfrm>
-                <a:off x="9001125" y="2689620"/>
-                <a:ext cx="1649754" cy="900113"/>
-              </a:xfrm>
-              <a:prstGeom prst="rect">
-                <a:avLst/>
-              </a:prstGeom>
-            </p:spPr>
-          </p:pic>
-          <p:pic>
-            <p:nvPicPr>
-              <p:cNvPr id="10" name="Picture 9" descr="A graph of different colored lines&#10;&#10;Description automatically generated">
-                <a:extLst>
-                  <a:ext uri="{FF2B5EF4-FFF2-40B4-BE49-F238E27FC236}">
-                    <a16:creationId xmlns:a16="http://schemas.microsoft.com/office/drawing/2014/main" id="{D9FBC512-2C3F-2C9D-2EF8-1ACC49A1B28F}"/>
-                  </a:ext>
-                </a:extLst>
-              </p:cNvPr>
-              <p:cNvPicPr>
-                <a:picLocks noChangeAspect="1"/>
-              </p:cNvPicPr>
-              <p:nvPr/>
-            </p:nvPicPr>
-            <p:blipFill rotWithShape="1">
-              <a:blip r:embed="rId2" cstate="print">
-                <a:extLst>
-                  <a:ext uri="{28A0092B-C50C-407E-A947-70E740481C1C}">
-                    <a14:useLocalDpi xmlns:a14="http://schemas.microsoft.com/office/drawing/2010/main" val="0"/>
-                  </a:ext>
-                </a:extLst>
-              </a:blip>
-              <a:srcRect l="81890" t="40454" b="42545"/>
-              <a:stretch/>
-            </p:blipFill>
-            <p:spPr>
-              <a:xfrm>
-                <a:off x="9001125" y="1914525"/>
-                <a:ext cx="1649754" cy="957262"/>
-              </a:xfrm>
-              <a:prstGeom prst="rect">
-                <a:avLst/>
-              </a:prstGeom>
-            </p:spPr>
-          </p:pic>
-          <p:pic>
-            <p:nvPicPr>
-              <p:cNvPr id="11" name="Picture 10" descr="A graph of different colored lines&#10;&#10;Description automatically generated">
-                <a:extLst>
-                  <a:ext uri="{FF2B5EF4-FFF2-40B4-BE49-F238E27FC236}">
-                    <a16:creationId xmlns:a16="http://schemas.microsoft.com/office/drawing/2014/main" id="{E006D7D2-2743-487C-9D1C-0D8B609E7154}"/>
-                  </a:ext>
-                </a:extLst>
-              </p:cNvPr>
-              <p:cNvPicPr>
-                <a:picLocks noChangeAspect="1"/>
-              </p:cNvPicPr>
-              <p:nvPr/>
-            </p:nvPicPr>
-            <p:blipFill rotWithShape="1">
-              <a:blip r:embed="rId2" cstate="print">
-                <a:extLst>
-                  <a:ext uri="{28A0092B-C50C-407E-A947-70E740481C1C}">
-                    <a14:useLocalDpi xmlns:a14="http://schemas.microsoft.com/office/drawing/2010/main" val="0"/>
-                  </a:ext>
-                </a:extLst>
-              </a:blip>
-              <a:srcRect l="81890" t="57624" b="25375"/>
-              <a:stretch/>
-            </p:blipFill>
-            <p:spPr>
-              <a:xfrm>
-                <a:off x="9001125" y="3625450"/>
-                <a:ext cx="1649754" cy="957262"/>
-              </a:xfrm>
-              <a:prstGeom prst="rect">
-                <a:avLst/>
-              </a:prstGeom>
-            </p:spPr>
-          </p:pic>
+                </a:prstGeom>
+              </p:spPr>
+            </p:pic>
+            <p:pic>
+              <p:nvPicPr>
+                <p:cNvPr id="9" name="Picture 8" descr="A graph of different colored lines&#10;&#10;Description automatically generated">
+                  <a:extLst>
+                    <a:ext uri="{FF2B5EF4-FFF2-40B4-BE49-F238E27FC236}">
+                      <a16:creationId xmlns:a16="http://schemas.microsoft.com/office/drawing/2014/main" id="{C187B8E8-4845-ADA9-5AC2-08080F9B72CB}"/>
+                    </a:ext>
+                  </a:extLst>
+                </p:cNvPr>
+                <p:cNvPicPr>
+                  <a:picLocks noChangeAspect="1"/>
+                </p:cNvPicPr>
+                <p:nvPr/>
+              </p:nvPicPr>
+              <p:blipFill rotWithShape="1">
+                <a:blip r:embed="rId3" cstate="print">
+                  <a:extLst>
+                    <a:ext uri="{28A0092B-C50C-407E-A947-70E740481C1C}">
+                      <a14:useLocalDpi xmlns:a14="http://schemas.microsoft.com/office/drawing/2010/main" val="0"/>
+                    </a:ext>
+                  </a:extLst>
+                </a:blip>
+                <a:srcRect l="81890" t="22437" b="61576"/>
+                <a:stretch/>
+              </p:blipFill>
+              <p:spPr>
+                <a:xfrm>
+                  <a:off x="9001125" y="2689620"/>
+                  <a:ext cx="1649754" cy="900113"/>
+                </a:xfrm>
+                <a:prstGeom prst="rect">
+                  <a:avLst/>
+                </a:prstGeom>
+              </p:spPr>
+            </p:pic>
+            <p:pic>
+              <p:nvPicPr>
+                <p:cNvPr id="10" name="Picture 9" descr="A graph of different colored lines&#10;&#10;Description automatically generated">
+                  <a:extLst>
+                    <a:ext uri="{FF2B5EF4-FFF2-40B4-BE49-F238E27FC236}">
+                      <a16:creationId xmlns:a16="http://schemas.microsoft.com/office/drawing/2014/main" id="{D9FBC512-2C3F-2C9D-2EF8-1ACC49A1B28F}"/>
+                    </a:ext>
+                  </a:extLst>
+                </p:cNvPr>
+                <p:cNvPicPr>
+                  <a:picLocks noChangeAspect="1"/>
+                </p:cNvPicPr>
+                <p:nvPr/>
+              </p:nvPicPr>
+              <p:blipFill rotWithShape="1">
+                <a:blip r:embed="rId3" cstate="print">
+                  <a:extLst>
+                    <a:ext uri="{28A0092B-C50C-407E-A947-70E740481C1C}">
+                      <a14:useLocalDpi xmlns:a14="http://schemas.microsoft.com/office/drawing/2010/main" val="0"/>
+                    </a:ext>
+                  </a:extLst>
+                </a:blip>
+                <a:srcRect l="81890" t="40454" b="42545"/>
+                <a:stretch/>
+              </p:blipFill>
+              <p:spPr>
+                <a:xfrm>
+                  <a:off x="9001125" y="1914525"/>
+                  <a:ext cx="1649754" cy="957262"/>
+                </a:xfrm>
+                <a:prstGeom prst="rect">
+                  <a:avLst/>
+                </a:prstGeom>
+              </p:spPr>
+            </p:pic>
+            <p:pic>
+              <p:nvPicPr>
+                <p:cNvPr id="11" name="Picture 10" descr="A graph of different colored lines&#10;&#10;Description automatically generated">
+                  <a:extLst>
+                    <a:ext uri="{FF2B5EF4-FFF2-40B4-BE49-F238E27FC236}">
+                      <a16:creationId xmlns:a16="http://schemas.microsoft.com/office/drawing/2014/main" id="{E006D7D2-2743-487C-9D1C-0D8B609E7154}"/>
+                    </a:ext>
+                  </a:extLst>
+                </p:cNvPr>
+                <p:cNvPicPr>
+                  <a:picLocks noChangeAspect="1"/>
+                </p:cNvPicPr>
+                <p:nvPr/>
+              </p:nvPicPr>
+              <p:blipFill rotWithShape="1">
+                <a:blip r:embed="rId3" cstate="print">
+                  <a:extLst>
+                    <a:ext uri="{28A0092B-C50C-407E-A947-70E740481C1C}">
+                      <a14:useLocalDpi xmlns:a14="http://schemas.microsoft.com/office/drawing/2010/main" val="0"/>
+                    </a:ext>
+                  </a:extLst>
+                </a:blip>
+                <a:srcRect l="81890" t="57624" b="25375"/>
+                <a:stretch/>
+              </p:blipFill>
+              <p:spPr>
+                <a:xfrm>
+                  <a:off x="9001125" y="3625450"/>
+                  <a:ext cx="1649754" cy="957262"/>
+                </a:xfrm>
+                <a:prstGeom prst="rect">
+                  <a:avLst/>
+                </a:prstGeom>
+              </p:spPr>
+            </p:pic>
+          </p:grpSp>
         </p:grpSp>
       </p:grpSp>
     </p:spTree>
@@ -5035,10 +5010,10 @@
         </p:nvGrpSpPr>
         <p:grpSpPr>
           <a:xfrm>
-            <a:off x="1495591" y="587359"/>
-            <a:ext cx="8700287" cy="5529119"/>
-            <a:chOff x="1495591" y="587359"/>
-            <a:chExt cx="8700287" cy="5529119"/>
+            <a:off x="1495591" y="575030"/>
+            <a:ext cx="8918022" cy="5541448"/>
+            <a:chOff x="1495591" y="575030"/>
+            <a:chExt cx="8918022" cy="5541448"/>
           </a:xfrm>
         </p:grpSpPr>
         <p:grpSp>
@@ -5055,10 +5030,10 @@
           </p:nvGrpSpPr>
           <p:grpSpPr>
             <a:xfrm>
-              <a:off x="1495591" y="593594"/>
-              <a:ext cx="8603995" cy="5522884"/>
-              <a:chOff x="0" y="-102868"/>
-              <a:chExt cx="5983357" cy="3840589"/>
+              <a:off x="1495591" y="575030"/>
+              <a:ext cx="8603995" cy="5541448"/>
+              <a:chOff x="0" y="-115777"/>
+              <a:chExt cx="5983357" cy="3853498"/>
             </a:xfrm>
           </p:grpSpPr>
           <p:pic>
@@ -5111,10 +5086,10 @@
             </p:nvGrpSpPr>
             <p:grpSpPr>
               <a:xfrm>
-                <a:off x="0" y="-102868"/>
-                <a:ext cx="4784484" cy="3149184"/>
-                <a:chOff x="0" y="-102868"/>
-                <a:chExt cx="4784484" cy="3149184"/>
+                <a:off x="0" y="-115777"/>
+                <a:ext cx="4742237" cy="3162093"/>
+                <a:chOff x="0" y="-115777"/>
+                <a:chExt cx="4742237" cy="3162093"/>
               </a:xfrm>
             </p:grpSpPr>
             <p:sp>
@@ -5398,7 +5373,7 @@
               </p:nvSpPr>
               <p:spPr>
                 <a:xfrm>
-                  <a:off x="4432215" y="-102868"/>
+                  <a:off x="4389968" y="-115777"/>
                   <a:ext cx="352269" cy="358775"/>
                 </a:xfrm>
                 <a:prstGeom prst="rect">
@@ -5477,7 +5452,7 @@
         </p:grpSp>
         <p:pic>
           <p:nvPicPr>
-            <p:cNvPr id="4" name="Picture 3" descr="A graph of a positive distribution&#10;&#10;Description automatically generated with medium confidence">
+            <p:cNvPr id="4" name="Picture 3">
               <a:extLst>
                 <a:ext uri="{FF2B5EF4-FFF2-40B4-BE49-F238E27FC236}">
                   <a16:creationId xmlns:a16="http://schemas.microsoft.com/office/drawing/2014/main" id="{F71DF554-A46C-D78C-DC0C-6C34EAEBB83B}"/>
@@ -5490,21 +5465,14 @@
             <p:nvPr/>
           </p:nvPicPr>
           <p:blipFill>
-            <a:blip r:embed="rId3">
-              <a:extLst>
-                <a:ext uri="{28A0092B-C50C-407E-A947-70E740481C1C}">
-                  <a14:useLocalDpi xmlns:a14="http://schemas.microsoft.com/office/drawing/2010/main" val="0"/>
-                </a:ext>
-              </a:extLst>
-            </a:blip>
-            <a:stretch>
-              <a:fillRect/>
-            </a:stretch>
+            <a:blip r:embed="rId3"/>
+            <a:srcRect/>
+            <a:stretch/>
           </p:blipFill>
           <p:spPr>
             <a:xfrm>
-              <a:off x="8122342" y="587359"/>
-              <a:ext cx="2073536" cy="2155841"/>
+              <a:off x="8061590" y="575030"/>
+              <a:ext cx="2352023" cy="2124554"/>
             </a:xfrm>
             <a:prstGeom prst="rect">
               <a:avLst/>

--- a/figures/fig_edits.pptx
+++ b/figures/fig_edits.pptx
@@ -4554,10 +4554,10 @@
       </p:grpSpPr>
       <p:grpSp>
         <p:nvGrpSpPr>
-          <p:cNvPr id="18" name="Group 17">
-            <a:extLst>
-              <a:ext uri="{FF2B5EF4-FFF2-40B4-BE49-F238E27FC236}">
-                <a16:creationId xmlns:a16="http://schemas.microsoft.com/office/drawing/2014/main" id="{43C1DCCB-CFBA-ACFB-01C5-4AF8F3311615}"/>
+          <p:cNvPr id="25" name="Group 24">
+            <a:extLst>
+              <a:ext uri="{FF2B5EF4-FFF2-40B4-BE49-F238E27FC236}">
+                <a16:creationId xmlns:a16="http://schemas.microsoft.com/office/drawing/2014/main" id="{48610B20-94F8-BFF7-04D2-600CF92E52A4}"/>
               </a:ext>
             </a:extLst>
           </p:cNvPr>
@@ -4566,18 +4566,18 @@
         </p:nvGrpSpPr>
         <p:grpSpPr>
           <a:xfrm>
-            <a:off x="1344286" y="426084"/>
-            <a:ext cx="9306593" cy="6043171"/>
-            <a:chOff x="1344286" y="426084"/>
-            <a:chExt cx="9306593" cy="6043171"/>
+            <a:off x="1265549" y="426084"/>
+            <a:ext cx="9385330" cy="6096735"/>
+            <a:chOff x="1265549" y="426084"/>
+            <a:chExt cx="9385330" cy="6096735"/>
           </a:xfrm>
         </p:grpSpPr>
         <p:pic>
           <p:nvPicPr>
-            <p:cNvPr id="17" name="Picture 16" descr="A graph of different colored lines&#10;&#10;Description automatically generated">
+            <p:cNvPr id="24" name="Picture 23" descr="A graph of different colored lines&#10;&#10;Description automatically generated">
               <a:extLst>
                 <a:ext uri="{FF2B5EF4-FFF2-40B4-BE49-F238E27FC236}">
-                  <a16:creationId xmlns:a16="http://schemas.microsoft.com/office/drawing/2014/main" id="{0073856B-0C8B-1329-75FD-30B10A9374AA}"/>
+                  <a16:creationId xmlns:a16="http://schemas.microsoft.com/office/drawing/2014/main" id="{2467BE89-A17B-9D4B-B0BA-BE4C00CA785B}"/>
                 </a:ext>
               </a:extLst>
             </p:cNvPr>
@@ -4588,13 +4588,13 @@
           </p:nvPicPr>
           <p:blipFill rotWithShape="1">
             <a:blip r:embed="rId2"/>
-            <a:srcRect r="16809"/>
+            <a:srcRect r="17698"/>
             <a:stretch/>
           </p:blipFill>
           <p:spPr>
             <a:xfrm>
-              <a:off x="1344286" y="700995"/>
-              <a:ext cx="7762136" cy="5768260"/>
+              <a:off x="1265549" y="642525"/>
+              <a:ext cx="7828346" cy="5880294"/>
             </a:xfrm>
             <a:prstGeom prst="rect">
               <a:avLst/>

--- a/figures/fig_edits.pptx
+++ b/figures/fig_edits.pptx
@@ -262,7 +262,7 @@
           <a:p>
             <a:fld id="{61059530-7D86-0045-B1F4-B0F4811E975F}" type="datetimeFigureOut">
               <a:rPr lang="en-US" smtClean="0"/>
-              <a:t>4/30/24</a:t>
+              <a:t>5/6/24</a:t>
             </a:fld>
             <a:endParaRPr lang="en-US"/>
           </a:p>
@@ -460,7 +460,7 @@
           <a:p>
             <a:fld id="{61059530-7D86-0045-B1F4-B0F4811E975F}" type="datetimeFigureOut">
               <a:rPr lang="en-US" smtClean="0"/>
-              <a:t>4/30/24</a:t>
+              <a:t>5/6/24</a:t>
             </a:fld>
             <a:endParaRPr lang="en-US"/>
           </a:p>
@@ -668,7 +668,7 @@
           <a:p>
             <a:fld id="{61059530-7D86-0045-B1F4-B0F4811E975F}" type="datetimeFigureOut">
               <a:rPr lang="en-US" smtClean="0"/>
-              <a:t>4/30/24</a:t>
+              <a:t>5/6/24</a:t>
             </a:fld>
             <a:endParaRPr lang="en-US"/>
           </a:p>
@@ -866,7 +866,7 @@
           <a:p>
             <a:fld id="{61059530-7D86-0045-B1F4-B0F4811E975F}" type="datetimeFigureOut">
               <a:rPr lang="en-US" smtClean="0"/>
-              <a:t>4/30/24</a:t>
+              <a:t>5/6/24</a:t>
             </a:fld>
             <a:endParaRPr lang="en-US"/>
           </a:p>
@@ -1141,7 +1141,7 @@
           <a:p>
             <a:fld id="{61059530-7D86-0045-B1F4-B0F4811E975F}" type="datetimeFigureOut">
               <a:rPr lang="en-US" smtClean="0"/>
-              <a:t>4/30/24</a:t>
+              <a:t>5/6/24</a:t>
             </a:fld>
             <a:endParaRPr lang="en-US"/>
           </a:p>
@@ -1406,7 +1406,7 @@
           <a:p>
             <a:fld id="{61059530-7D86-0045-B1F4-B0F4811E975F}" type="datetimeFigureOut">
               <a:rPr lang="en-US" smtClean="0"/>
-              <a:t>4/30/24</a:t>
+              <a:t>5/6/24</a:t>
             </a:fld>
             <a:endParaRPr lang="en-US"/>
           </a:p>
@@ -1818,7 +1818,7 @@
           <a:p>
             <a:fld id="{61059530-7D86-0045-B1F4-B0F4811E975F}" type="datetimeFigureOut">
               <a:rPr lang="en-US" smtClean="0"/>
-              <a:t>4/30/24</a:t>
+              <a:t>5/6/24</a:t>
             </a:fld>
             <a:endParaRPr lang="en-US"/>
           </a:p>
@@ -1959,7 +1959,7 @@
           <a:p>
             <a:fld id="{61059530-7D86-0045-B1F4-B0F4811E975F}" type="datetimeFigureOut">
               <a:rPr lang="en-US" smtClean="0"/>
-              <a:t>4/30/24</a:t>
+              <a:t>5/6/24</a:t>
             </a:fld>
             <a:endParaRPr lang="en-US"/>
           </a:p>
@@ -2072,7 +2072,7 @@
           <a:p>
             <a:fld id="{61059530-7D86-0045-B1F4-B0F4811E975F}" type="datetimeFigureOut">
               <a:rPr lang="en-US" smtClean="0"/>
-              <a:t>4/30/24</a:t>
+              <a:t>5/6/24</a:t>
             </a:fld>
             <a:endParaRPr lang="en-US"/>
           </a:p>
@@ -2383,7 +2383,7 @@
           <a:p>
             <a:fld id="{61059530-7D86-0045-B1F4-B0F4811E975F}" type="datetimeFigureOut">
               <a:rPr lang="en-US" smtClean="0"/>
-              <a:t>4/30/24</a:t>
+              <a:t>5/6/24</a:t>
             </a:fld>
             <a:endParaRPr lang="en-US"/>
           </a:p>
@@ -2671,7 +2671,7 @@
           <a:p>
             <a:fld id="{61059530-7D86-0045-B1F4-B0F4811E975F}" type="datetimeFigureOut">
               <a:rPr lang="en-US" smtClean="0"/>
-              <a:t>4/30/24</a:t>
+              <a:t>5/6/24</a:t>
             </a:fld>
             <a:endParaRPr lang="en-US"/>
           </a:p>
@@ -2912,7 +2912,7 @@
           <a:p>
             <a:fld id="{61059530-7D86-0045-B1F4-B0F4811E975F}" type="datetimeFigureOut">
               <a:rPr lang="en-US" smtClean="0"/>
-              <a:t>4/30/24</a:t>
+              <a:t>5/6/24</a:t>
             </a:fld>
             <a:endParaRPr lang="en-US"/>
           </a:p>
@@ -3520,8 +3520,8 @@
             </a:extLst>
           </p:spPr>
         </p:pic>
-        <mc:AlternateContent xmlns:mc="http://schemas.openxmlformats.org/markup-compatibility/2006">
-          <mc:Choice xmlns:a14="http://schemas.microsoft.com/office/drawing/2010/main" Requires="a14">
+        <mc:AlternateContent xmlns:mc="http://schemas.openxmlformats.org/markup-compatibility/2006" xmlns:a14="http://schemas.microsoft.com/office/drawing/2010/main">
+          <mc:Choice Requires="a14">
             <p:sp>
               <p:nvSpPr>
                 <p:cNvPr id="5" name="Text Box 2">
@@ -4473,7 +4473,7 @@
               </p:txBody>
             </p:sp>
           </mc:Choice>
-          <mc:Fallback>
+          <mc:Fallback xmlns="">
             <p:sp>
               <p:nvSpPr>
                 <p:cNvPr id="5" name="Text Box 2">
@@ -5031,9 +5031,9 @@
           <p:grpSpPr>
             <a:xfrm>
               <a:off x="1495591" y="575030"/>
-              <a:ext cx="8603995" cy="5541448"/>
+              <a:ext cx="8603788" cy="5541448"/>
               <a:chOff x="0" y="-115777"/>
-              <a:chExt cx="5983357" cy="3853498"/>
+              <a:chExt cx="5983213" cy="3853498"/>
             </a:xfrm>
           </p:grpSpPr>
           <p:pic>
@@ -5051,21 +5051,14 @@
               <p:nvPr/>
             </p:nvPicPr>
             <p:blipFill>
-              <a:blip r:embed="rId2" cstate="print">
-                <a:extLst>
-                  <a:ext uri="{28A0092B-C50C-407E-A947-70E740481C1C}">
-                    <a14:useLocalDpi xmlns:a14="http://schemas.microsoft.com/office/drawing/2010/main" val="0"/>
-                  </a:ext>
-                </a:extLst>
-              </a:blip>
-              <a:stretch>
-                <a:fillRect/>
-              </a:stretch>
+              <a:blip r:embed="rId2"/>
+              <a:srcRect/>
+              <a:stretch/>
             </p:blipFill>
             <p:spPr>
               <a:xfrm>
-                <a:off x="39757" y="63611"/>
-                <a:ext cx="5943600" cy="3674110"/>
+                <a:off x="39902" y="63611"/>
+                <a:ext cx="5943311" cy="3674110"/>
               </a:xfrm>
               <a:prstGeom prst="rect">
                 <a:avLst/>

--- a/figures/fig_edits.pptx
+++ b/figures/fig_edits.pptx
@@ -262,7 +262,7 @@
           <a:p>
             <a:fld id="{61059530-7D86-0045-B1F4-B0F4811E975F}" type="datetimeFigureOut">
               <a:rPr lang="en-US" smtClean="0"/>
-              <a:t>5/6/24</a:t>
+              <a:t>7/22/24</a:t>
             </a:fld>
             <a:endParaRPr lang="en-US"/>
           </a:p>
@@ -460,7 +460,7 @@
           <a:p>
             <a:fld id="{61059530-7D86-0045-B1F4-B0F4811E975F}" type="datetimeFigureOut">
               <a:rPr lang="en-US" smtClean="0"/>
-              <a:t>5/6/24</a:t>
+              <a:t>7/22/24</a:t>
             </a:fld>
             <a:endParaRPr lang="en-US"/>
           </a:p>
@@ -668,7 +668,7 @@
           <a:p>
             <a:fld id="{61059530-7D86-0045-B1F4-B0F4811E975F}" type="datetimeFigureOut">
               <a:rPr lang="en-US" smtClean="0"/>
-              <a:t>5/6/24</a:t>
+              <a:t>7/22/24</a:t>
             </a:fld>
             <a:endParaRPr lang="en-US"/>
           </a:p>
@@ -866,7 +866,7 @@
           <a:p>
             <a:fld id="{61059530-7D86-0045-B1F4-B0F4811E975F}" type="datetimeFigureOut">
               <a:rPr lang="en-US" smtClean="0"/>
-              <a:t>5/6/24</a:t>
+              <a:t>7/22/24</a:t>
             </a:fld>
             <a:endParaRPr lang="en-US"/>
           </a:p>
@@ -1141,7 +1141,7 @@
           <a:p>
             <a:fld id="{61059530-7D86-0045-B1F4-B0F4811E975F}" type="datetimeFigureOut">
               <a:rPr lang="en-US" smtClean="0"/>
-              <a:t>5/6/24</a:t>
+              <a:t>7/22/24</a:t>
             </a:fld>
             <a:endParaRPr lang="en-US"/>
           </a:p>
@@ -1406,7 +1406,7 @@
           <a:p>
             <a:fld id="{61059530-7D86-0045-B1F4-B0F4811E975F}" type="datetimeFigureOut">
               <a:rPr lang="en-US" smtClean="0"/>
-              <a:t>5/6/24</a:t>
+              <a:t>7/22/24</a:t>
             </a:fld>
             <a:endParaRPr lang="en-US"/>
           </a:p>
@@ -1818,7 +1818,7 @@
           <a:p>
             <a:fld id="{61059530-7D86-0045-B1F4-B0F4811E975F}" type="datetimeFigureOut">
               <a:rPr lang="en-US" smtClean="0"/>
-              <a:t>5/6/24</a:t>
+              <a:t>7/22/24</a:t>
             </a:fld>
             <a:endParaRPr lang="en-US"/>
           </a:p>
@@ -1959,7 +1959,7 @@
           <a:p>
             <a:fld id="{61059530-7D86-0045-B1F4-B0F4811E975F}" type="datetimeFigureOut">
               <a:rPr lang="en-US" smtClean="0"/>
-              <a:t>5/6/24</a:t>
+              <a:t>7/22/24</a:t>
             </a:fld>
             <a:endParaRPr lang="en-US"/>
           </a:p>
@@ -2072,7 +2072,7 @@
           <a:p>
             <a:fld id="{61059530-7D86-0045-B1F4-B0F4811E975F}" type="datetimeFigureOut">
               <a:rPr lang="en-US" smtClean="0"/>
-              <a:t>5/6/24</a:t>
+              <a:t>7/22/24</a:t>
             </a:fld>
             <a:endParaRPr lang="en-US"/>
           </a:p>
@@ -2383,7 +2383,7 @@
           <a:p>
             <a:fld id="{61059530-7D86-0045-B1F4-B0F4811E975F}" type="datetimeFigureOut">
               <a:rPr lang="en-US" smtClean="0"/>
-              <a:t>5/6/24</a:t>
+              <a:t>7/22/24</a:t>
             </a:fld>
             <a:endParaRPr lang="en-US"/>
           </a:p>
@@ -2671,7 +2671,7 @@
           <a:p>
             <a:fld id="{61059530-7D86-0045-B1F4-B0F4811E975F}" type="datetimeFigureOut">
               <a:rPr lang="en-US" smtClean="0"/>
-              <a:t>5/6/24</a:t>
+              <a:t>7/22/24</a:t>
             </a:fld>
             <a:endParaRPr lang="en-US"/>
           </a:p>
@@ -2912,7 +2912,7 @@
           <a:p>
             <a:fld id="{61059530-7D86-0045-B1F4-B0F4811E975F}" type="datetimeFigureOut">
               <a:rPr lang="en-US" smtClean="0"/>
-              <a:t>5/6/24</a:t>
+              <a:t>7/22/24</a:t>
             </a:fld>
             <a:endParaRPr lang="en-US"/>
           </a:p>
@@ -4566,15 +4566,15 @@
         </p:nvGrpSpPr>
         <p:grpSpPr>
           <a:xfrm>
-            <a:off x="1265549" y="426084"/>
-            <a:ext cx="9385330" cy="6096735"/>
-            <a:chOff x="1265549" y="426084"/>
-            <a:chExt cx="9385330" cy="6096735"/>
+            <a:off x="1417949" y="426084"/>
+            <a:ext cx="9232930" cy="6172935"/>
+            <a:chOff x="1417949" y="426084"/>
+            <a:chExt cx="9232930" cy="6172935"/>
           </a:xfrm>
         </p:grpSpPr>
         <p:pic>
           <p:nvPicPr>
-            <p:cNvPr id="24" name="Picture 23" descr="A graph of different colored lines&#10;&#10;Description automatically generated">
+            <p:cNvPr id="24" name="Picture 23">
               <a:extLst>
                 <a:ext uri="{FF2B5EF4-FFF2-40B4-BE49-F238E27FC236}">
                   <a16:creationId xmlns:a16="http://schemas.microsoft.com/office/drawing/2014/main" id="{2467BE89-A17B-9D4B-B0BA-BE4C00CA785B}"/>
@@ -4588,12 +4588,12 @@
           </p:nvPicPr>
           <p:blipFill rotWithShape="1">
             <a:blip r:embed="rId2"/>
-            <a:srcRect r="17698"/>
+            <a:srcRect l="1329" t="756" r="16369" b="-756"/>
             <a:stretch/>
           </p:blipFill>
           <p:spPr>
             <a:xfrm>
-              <a:off x="1265549" y="642525"/>
+              <a:off x="1417949" y="718725"/>
               <a:ext cx="7828346" cy="5880294"/>
             </a:xfrm>
             <a:prstGeom prst="rect">
